--- a/Instructions/指导语.pptx
+++ b/Instructions/指导语.pptx
@@ -9,16 +9,25 @@
     <p:sldId id="257" r:id="rId3"/>
     <p:sldId id="269" r:id="rId4"/>
     <p:sldId id="270" r:id="rId5"/>
-    <p:sldId id="260" r:id="rId6"/>
-    <p:sldId id="259" r:id="rId7"/>
-    <p:sldId id="261" r:id="rId8"/>
-    <p:sldId id="262" r:id="rId9"/>
-    <p:sldId id="265" r:id="rId10"/>
-    <p:sldId id="267" r:id="rId11"/>
-    <p:sldId id="266" r:id="rId12"/>
-    <p:sldId id="268" r:id="rId13"/>
-    <p:sldId id="263" r:id="rId14"/>
-    <p:sldId id="264" r:id="rId15"/>
+    <p:sldId id="275" r:id="rId6"/>
+    <p:sldId id="276" r:id="rId7"/>
+    <p:sldId id="260" r:id="rId8"/>
+    <p:sldId id="259" r:id="rId9"/>
+    <p:sldId id="261" r:id="rId10"/>
+    <p:sldId id="262" r:id="rId11"/>
+    <p:sldId id="265" r:id="rId12"/>
+    <p:sldId id="267" r:id="rId13"/>
+    <p:sldId id="266" r:id="rId14"/>
+    <p:sldId id="268" r:id="rId15"/>
+    <p:sldId id="263" r:id="rId16"/>
+    <p:sldId id="264" r:id="rId17"/>
+    <p:sldId id="274" r:id="rId18"/>
+    <p:sldId id="272" r:id="rId19"/>
+    <p:sldId id="273" r:id="rId20"/>
+    <p:sldId id="258" r:id="rId21"/>
+    <p:sldId id="279" r:id="rId22"/>
+    <p:sldId id="277" r:id="rId23"/>
+    <p:sldId id="278" r:id="rId24"/>
   </p:sldIdLst>
   <p:sldSz cx="12192000" cy="6858000"/>
   <p:notesSz cx="6858000" cy="9144000"/>
@@ -126,6 +135,8 @@
             <p14:sldId id="257"/>
             <p14:sldId id="269"/>
             <p14:sldId id="270"/>
+            <p14:sldId id="275"/>
+            <p14:sldId id="276"/>
             <p14:sldId id="260"/>
             <p14:sldId id="259"/>
           </p14:sldIdLst>
@@ -142,7 +153,21 @@
             <p14:sldId id="264"/>
           </p14:sldIdLst>
         </p14:section>
+        <p14:section name="通用" id="{6FAA5D95-05C8-45CF-AAF2-EB54422FF59F}">
+          <p14:sldIdLst>
+            <p14:sldId id="274"/>
+            <p14:sldId id="272"/>
+            <p14:sldId id="273"/>
+            <p14:sldId id="258"/>
+            <p14:sldId id="279"/>
+            <p14:sldId id="277"/>
+            <p14:sldId id="278"/>
+          </p14:sldIdLst>
+        </p14:section>
       </p14:sectionLst>
+    </p:ext>
+    <p:ext uri="{EFAFB233-063F-42B5-8137-9DF3F51BA10A}">
+      <p15:sldGuideLst xmlns:p15="http://schemas.microsoft.com/office/powerpoint/2012/main"/>
     </p:ext>
   </p:extLst>
 </p:presentation>
@@ -295,7 +320,7 @@
           <a:p>
             <a:fld id="{70C8BE17-B99F-475D-97A9-3D894F105DB7}" type="datetimeFigureOut">
               <a:rPr lang="zh-CN" altLang="en-US" smtClean="0"/>
-              <a:t>2025/8/20</a:t>
+              <a:t>2025/8/21</a:t>
             </a:fld>
             <a:endParaRPr lang="zh-CN" altLang="en-US"/>
           </a:p>
@@ -493,7 +518,7 @@
           <a:p>
             <a:fld id="{70C8BE17-B99F-475D-97A9-3D894F105DB7}" type="datetimeFigureOut">
               <a:rPr lang="zh-CN" altLang="en-US" smtClean="0"/>
-              <a:t>2025/8/20</a:t>
+              <a:t>2025/8/21</a:t>
             </a:fld>
             <a:endParaRPr lang="zh-CN" altLang="en-US"/>
           </a:p>
@@ -701,7 +726,7 @@
           <a:p>
             <a:fld id="{70C8BE17-B99F-475D-97A9-3D894F105DB7}" type="datetimeFigureOut">
               <a:rPr lang="zh-CN" altLang="en-US" smtClean="0"/>
-              <a:t>2025/8/20</a:t>
+              <a:t>2025/8/21</a:t>
             </a:fld>
             <a:endParaRPr lang="zh-CN" altLang="en-US"/>
           </a:p>
@@ -899,7 +924,7 @@
           <a:p>
             <a:fld id="{70C8BE17-B99F-475D-97A9-3D894F105DB7}" type="datetimeFigureOut">
               <a:rPr lang="zh-CN" altLang="en-US" smtClean="0"/>
-              <a:t>2025/8/20</a:t>
+              <a:t>2025/8/21</a:t>
             </a:fld>
             <a:endParaRPr lang="zh-CN" altLang="en-US"/>
           </a:p>
@@ -1174,7 +1199,7 @@
           <a:p>
             <a:fld id="{70C8BE17-B99F-475D-97A9-3D894F105DB7}" type="datetimeFigureOut">
               <a:rPr lang="zh-CN" altLang="en-US" smtClean="0"/>
-              <a:t>2025/8/20</a:t>
+              <a:t>2025/8/21</a:t>
             </a:fld>
             <a:endParaRPr lang="zh-CN" altLang="en-US"/>
           </a:p>
@@ -1439,7 +1464,7 @@
           <a:p>
             <a:fld id="{70C8BE17-B99F-475D-97A9-3D894F105DB7}" type="datetimeFigureOut">
               <a:rPr lang="zh-CN" altLang="en-US" smtClean="0"/>
-              <a:t>2025/8/20</a:t>
+              <a:t>2025/8/21</a:t>
             </a:fld>
             <a:endParaRPr lang="zh-CN" altLang="en-US"/>
           </a:p>
@@ -1851,7 +1876,7 @@
           <a:p>
             <a:fld id="{70C8BE17-B99F-475D-97A9-3D894F105DB7}" type="datetimeFigureOut">
               <a:rPr lang="zh-CN" altLang="en-US" smtClean="0"/>
-              <a:t>2025/8/20</a:t>
+              <a:t>2025/8/21</a:t>
             </a:fld>
             <a:endParaRPr lang="zh-CN" altLang="en-US"/>
           </a:p>
@@ -1992,7 +2017,7 @@
           <a:p>
             <a:fld id="{70C8BE17-B99F-475D-97A9-3D894F105DB7}" type="datetimeFigureOut">
               <a:rPr lang="zh-CN" altLang="en-US" smtClean="0"/>
-              <a:t>2025/8/20</a:t>
+              <a:t>2025/8/21</a:t>
             </a:fld>
             <a:endParaRPr lang="zh-CN" altLang="en-US"/>
           </a:p>
@@ -2105,7 +2130,7 @@
           <a:p>
             <a:fld id="{70C8BE17-B99F-475D-97A9-3D894F105DB7}" type="datetimeFigureOut">
               <a:rPr lang="zh-CN" altLang="en-US" smtClean="0"/>
-              <a:t>2025/8/20</a:t>
+              <a:t>2025/8/21</a:t>
             </a:fld>
             <a:endParaRPr lang="zh-CN" altLang="en-US"/>
           </a:p>
@@ -2416,7 +2441,7 @@
           <a:p>
             <a:fld id="{70C8BE17-B99F-475D-97A9-3D894F105DB7}" type="datetimeFigureOut">
               <a:rPr lang="zh-CN" altLang="en-US" smtClean="0"/>
-              <a:t>2025/8/20</a:t>
+              <a:t>2025/8/21</a:t>
             </a:fld>
             <a:endParaRPr lang="zh-CN" altLang="en-US"/>
           </a:p>
@@ -2704,7 +2729,7 @@
           <a:p>
             <a:fld id="{70C8BE17-B99F-475D-97A9-3D894F105DB7}" type="datetimeFigureOut">
               <a:rPr lang="zh-CN" altLang="en-US" smtClean="0"/>
-              <a:t>2025/8/20</a:t>
+              <a:t>2025/8/21</a:t>
             </a:fld>
             <a:endParaRPr lang="zh-CN" altLang="en-US"/>
           </a:p>
@@ -2945,7 +2970,7 @@
           <a:p>
             <a:fld id="{70C8BE17-B99F-475D-97A9-3D894F105DB7}" type="datetimeFigureOut">
               <a:rPr lang="zh-CN" altLang="en-US" smtClean="0"/>
-              <a:t>2025/8/20</a:t>
+              <a:t>2025/8/21</a:t>
             </a:fld>
             <a:endParaRPr lang="zh-CN" altLang="en-US"/>
           </a:p>
@@ -3463,6 +3488,359 @@
         <p:cNvPr id="1" name="">
           <a:extLst>
             <a:ext uri="{FF2B5EF4-FFF2-40B4-BE49-F238E27FC236}">
+              <a16:creationId xmlns:a16="http://schemas.microsoft.com/office/drawing/2014/main" id="{7D38FEA2-815A-CCCC-C585-C8804DCF0EBE}"/>
+            </a:ext>
+          </a:extLst>
+        </p:cNvPr>
+        <p:cNvGrpSpPr/>
+        <p:nvPr/>
+      </p:nvGrpSpPr>
+      <p:grpSpPr>
+        <a:xfrm>
+          <a:off x="0" y="0"/>
+          <a:ext cx="0" cy="0"/>
+          <a:chOff x="0" y="0"/>
+          <a:chExt cx="0" cy="0"/>
+        </a:xfrm>
+      </p:grpSpPr>
+      <p:sp>
+        <p:nvSpPr>
+          <p:cNvPr id="4" name="文本框 3">
+            <a:extLst>
+              <a:ext uri="{FF2B5EF4-FFF2-40B4-BE49-F238E27FC236}">
+                <a16:creationId xmlns:a16="http://schemas.microsoft.com/office/drawing/2014/main" id="{D1857FDF-CA32-FF57-537A-A875AC56B79C}"/>
+              </a:ext>
+            </a:extLst>
+          </p:cNvPr>
+          <p:cNvSpPr txBox="1"/>
+          <p:nvPr/>
+        </p:nvSpPr>
+        <p:spPr>
+          <a:xfrm>
+            <a:off x="1191535" y="932066"/>
+            <a:ext cx="9808930" cy="4993868"/>
+          </a:xfrm>
+          <a:prstGeom prst="rect">
+            <a:avLst/>
+          </a:prstGeom>
+          <a:noFill/>
+        </p:spPr>
+        <p:txBody>
+          <a:bodyPr wrap="square" rtlCol="0">
+            <a:spAutoFit/>
+          </a:bodyPr>
+          <a:lstStyle/>
+          <a:p>
+            <a:pPr algn="ctr">
+              <a:lnSpc>
+                <a:spcPct val="150000"/>
+              </a:lnSpc>
+            </a:pPr>
+            <a:r>
+              <a:rPr lang="zh-CN" altLang="en-US" sz="3600" dirty="0"/>
+              <a:t>请注意听，耳机里将出现滴滴声</a:t>
+            </a:r>
+            <a:endParaRPr lang="en-US" altLang="zh-CN" sz="3600" dirty="0"/>
+          </a:p>
+          <a:p>
+            <a:pPr algn="ctr">
+              <a:lnSpc>
+                <a:spcPct val="150000"/>
+              </a:lnSpc>
+            </a:pPr>
+            <a:r>
+              <a:rPr lang="zh-CN" altLang="en-US" sz="3600" dirty="0"/>
+              <a:t>一开始的音调，也就是音高，是一样的</a:t>
+            </a:r>
+            <a:endParaRPr lang="en-US" altLang="zh-CN" sz="3600" dirty="0"/>
+          </a:p>
+          <a:p>
+            <a:pPr algn="ctr">
+              <a:lnSpc>
+                <a:spcPct val="150000"/>
+              </a:lnSpc>
+            </a:pPr>
+            <a:r>
+              <a:rPr lang="zh-CN" altLang="en-US" sz="3600" dirty="0"/>
+              <a:t>但是最后一次滴滴声的</a:t>
+            </a:r>
+            <a:r>
+              <a:rPr lang="zh-CN" altLang="en-US" sz="3600" b="1" dirty="0"/>
+              <a:t>音高</a:t>
+            </a:r>
+            <a:r>
+              <a:rPr lang="zh-CN" altLang="en-US" sz="3600" dirty="0"/>
+              <a:t>会变化</a:t>
+            </a:r>
+            <a:endParaRPr lang="en-US" altLang="zh-CN" sz="3600" dirty="0"/>
+          </a:p>
+          <a:p>
+            <a:pPr algn="ctr">
+              <a:lnSpc>
+                <a:spcPct val="150000"/>
+              </a:lnSpc>
+            </a:pPr>
+            <a:r>
+              <a:rPr lang="zh-CN" altLang="en-US" sz="3600" dirty="0"/>
+              <a:t>如果音调变高变尖了，按上箭头</a:t>
+            </a:r>
+            <a:endParaRPr lang="en-US" altLang="zh-CN" sz="3600" dirty="0"/>
+          </a:p>
+          <a:p>
+            <a:pPr algn="ctr">
+              <a:lnSpc>
+                <a:spcPct val="150000"/>
+              </a:lnSpc>
+            </a:pPr>
+            <a:r>
+              <a:rPr lang="zh-CN" altLang="en-US" sz="3600" dirty="0"/>
+              <a:t>如果反过来，音调变低了，就按下箭头</a:t>
+            </a:r>
+            <a:endParaRPr lang="en-US" altLang="zh-CN" sz="3600" dirty="0"/>
+          </a:p>
+          <a:p>
+            <a:pPr algn="ctr">
+              <a:lnSpc>
+                <a:spcPct val="150000"/>
+              </a:lnSpc>
+            </a:pPr>
+            <a:r>
+              <a:rPr lang="zh-CN" altLang="en-US" sz="3600" dirty="0"/>
+              <a:t>现在，您将听到两个示例</a:t>
+            </a:r>
+            <a:endParaRPr lang="en-US" altLang="zh-CN" sz="3600" dirty="0"/>
+          </a:p>
+        </p:txBody>
+      </p:sp>
+      <p:sp>
+        <p:nvSpPr>
+          <p:cNvPr id="2" name="文本框 1">
+            <a:extLst>
+              <a:ext uri="{FF2B5EF4-FFF2-40B4-BE49-F238E27FC236}">
+                <a16:creationId xmlns:a16="http://schemas.microsoft.com/office/drawing/2014/main" id="{0D397594-7564-9DCE-8244-5E42E82B0984}"/>
+              </a:ext>
+            </a:extLst>
+          </p:cNvPr>
+          <p:cNvSpPr txBox="1"/>
+          <p:nvPr/>
+        </p:nvSpPr>
+        <p:spPr>
+          <a:xfrm>
+            <a:off x="10627743" y="120770"/>
+            <a:ext cx="1345721" cy="379562"/>
+          </a:xfrm>
+          <a:prstGeom prst="rect">
+            <a:avLst/>
+          </a:prstGeom>
+          <a:noFill/>
+        </p:spPr>
+        <p:txBody>
+          <a:bodyPr wrap="square" rtlCol="0">
+            <a:spAutoFit/>
+          </a:bodyPr>
+          <a:lstStyle/>
+          <a:p>
+            <a:pPr algn="r"/>
+            <a:r>
+              <a:rPr lang="en-US" altLang="zh-CN" b="1" dirty="0"/>
+              <a:t>Space</a:t>
+            </a:r>
+            <a:endParaRPr lang="zh-CN" altLang="en-US" b="1" dirty="0"/>
+          </a:p>
+        </p:txBody>
+      </p:sp>
+    </p:spTree>
+    <p:extLst>
+      <p:ext uri="{BB962C8B-B14F-4D97-AF65-F5344CB8AC3E}">
+        <p14:creationId xmlns:p14="http://schemas.microsoft.com/office/powerpoint/2010/main" val="1645642624"/>
+      </p:ext>
+    </p:extLst>
+  </p:cSld>
+  <p:clrMapOvr>
+    <a:masterClrMapping/>
+  </p:clrMapOvr>
+</p:sld>
+</file>
+
+<file path=ppt/slides/slide11.xml><?xml version="1.0" encoding="utf-8"?>
+<p:sld xmlns:a="http://schemas.openxmlformats.org/drawingml/2006/main" xmlns:r="http://schemas.openxmlformats.org/officeDocument/2006/relationships" xmlns:p="http://schemas.openxmlformats.org/presentationml/2006/main">
+  <p:cSld>
+    <p:bg>
+      <p:bgPr>
+        <a:solidFill>
+          <a:schemeClr val="tx1">
+            <a:lumMod val="50000"/>
+            <a:lumOff val="50000"/>
+          </a:schemeClr>
+        </a:solidFill>
+        <a:effectLst/>
+      </p:bgPr>
+    </p:bg>
+    <p:spTree>
+      <p:nvGrpSpPr>
+        <p:cNvPr id="1" name="">
+          <a:extLst>
+            <a:ext uri="{FF2B5EF4-FFF2-40B4-BE49-F238E27FC236}">
+              <a16:creationId xmlns:a16="http://schemas.microsoft.com/office/drawing/2014/main" id="{6D495523-B63D-2B13-5233-0A6C6CC4CC5A}"/>
+            </a:ext>
+          </a:extLst>
+        </p:cNvPr>
+        <p:cNvGrpSpPr/>
+        <p:nvPr/>
+      </p:nvGrpSpPr>
+      <p:grpSpPr>
+        <a:xfrm>
+          <a:off x="0" y="0"/>
+          <a:ext cx="0" cy="0"/>
+          <a:chOff x="0" y="0"/>
+          <a:chExt cx="0" cy="0"/>
+        </a:xfrm>
+      </p:grpSpPr>
+      <p:sp>
+        <p:nvSpPr>
+          <p:cNvPr id="4" name="文本框 3">
+            <a:extLst>
+              <a:ext uri="{FF2B5EF4-FFF2-40B4-BE49-F238E27FC236}">
+                <a16:creationId xmlns:a16="http://schemas.microsoft.com/office/drawing/2014/main" id="{03EEBE45-8C99-8243-AABC-53C02FAF3EBA}"/>
+              </a:ext>
+            </a:extLst>
+          </p:cNvPr>
+          <p:cNvSpPr txBox="1"/>
+          <p:nvPr/>
+        </p:nvSpPr>
+        <p:spPr>
+          <a:xfrm>
+            <a:off x="1191535" y="2590116"/>
+            <a:ext cx="9808930" cy="921855"/>
+          </a:xfrm>
+          <a:prstGeom prst="rect">
+            <a:avLst/>
+          </a:prstGeom>
+          <a:noFill/>
+        </p:spPr>
+        <p:txBody>
+          <a:bodyPr wrap="square" rtlCol="0">
+            <a:spAutoFit/>
+          </a:bodyPr>
+          <a:lstStyle/>
+          <a:p>
+            <a:pPr marL="0" marR="0" lvl="0" indent="0" algn="ctr" defTabSz="914400" rtl="0" eaLnBrk="1" fontAlgn="auto" latinLnBrk="0" hangingPunct="1">
+              <a:lnSpc>
+                <a:spcPct val="150000"/>
+              </a:lnSpc>
+              <a:spcBef>
+                <a:spcPts val="0"/>
+              </a:spcBef>
+              <a:spcAft>
+                <a:spcPts val="0"/>
+              </a:spcAft>
+              <a:buClrTx/>
+              <a:buSzTx/>
+              <a:buFontTx/>
+              <a:buNone/>
+              <a:tabLst/>
+              <a:defRPr/>
+            </a:pPr>
+            <a:r>
+              <a:rPr kumimoji="0" lang="zh-CN" altLang="en-US" sz="4000" b="0" i="0" u="none" strike="noStrike" kern="1200" cap="none" spc="0" normalizeH="0" baseline="0" noProof="0" dirty="0">
+                <a:ln>
+                  <a:noFill/>
+                </a:ln>
+                <a:solidFill>
+                  <a:prstClr val="black"/>
+                </a:solidFill>
+                <a:effectLst/>
+                <a:uLnTx/>
+                <a:uFillTx/>
+                <a:latin typeface="等线" panose="02110004020202020204"/>
+                <a:ea typeface="等线" panose="02010600030101010101" pitchFamily="2" charset="-122"/>
+                <a:cs typeface="+mn-cs"/>
+              </a:rPr>
+              <a:t>现在播放的是音调</a:t>
+            </a:r>
+            <a:r>
+              <a:rPr kumimoji="0" lang="zh-CN" altLang="en-US" sz="4000" b="1" i="0" u="none" strike="noStrike" kern="1200" cap="none" spc="0" normalizeH="0" baseline="0" noProof="0" dirty="0">
+                <a:ln>
+                  <a:noFill/>
+                </a:ln>
+                <a:solidFill>
+                  <a:prstClr val="black"/>
+                </a:solidFill>
+                <a:effectLst/>
+                <a:uLnTx/>
+                <a:uFillTx/>
+                <a:latin typeface="等线" panose="02110004020202020204"/>
+                <a:ea typeface="等线" panose="02010600030101010101" pitchFamily="2" charset="-122"/>
+                <a:cs typeface="+mn-cs"/>
+              </a:rPr>
+              <a:t>变高</a:t>
+            </a:r>
+            <a:r>
+              <a:rPr kumimoji="0" lang="zh-CN" altLang="en-US" sz="4000" b="0" i="0" u="none" strike="noStrike" kern="1200" cap="none" spc="0" normalizeH="0" baseline="0" noProof="0" dirty="0">
+                <a:ln>
+                  <a:noFill/>
+                </a:ln>
+                <a:solidFill>
+                  <a:prstClr val="black"/>
+                </a:solidFill>
+                <a:effectLst/>
+                <a:uLnTx/>
+                <a:uFillTx/>
+                <a:latin typeface="等线" panose="02110004020202020204"/>
+                <a:ea typeface="等线" panose="02010600030101010101" pitchFamily="2" charset="-122"/>
+                <a:cs typeface="+mn-cs"/>
+              </a:rPr>
+              <a:t>的示例</a:t>
+            </a:r>
+            <a:endParaRPr kumimoji="0" lang="en-US" altLang="zh-CN" sz="4000" b="0" i="0" u="none" strike="noStrike" kern="1200" cap="none" spc="0" normalizeH="0" baseline="0" noProof="0" dirty="0">
+              <a:ln>
+                <a:noFill/>
+              </a:ln>
+              <a:solidFill>
+                <a:prstClr val="black"/>
+              </a:solidFill>
+              <a:effectLst/>
+              <a:uLnTx/>
+              <a:uFillTx/>
+              <a:latin typeface="等线" panose="02110004020202020204"/>
+              <a:ea typeface="等线" panose="02010600030101010101" pitchFamily="2" charset="-122"/>
+              <a:cs typeface="+mn-cs"/>
+            </a:endParaRPr>
+          </a:p>
+        </p:txBody>
+      </p:sp>
+    </p:spTree>
+    <p:extLst>
+      <p:ext uri="{BB962C8B-B14F-4D97-AF65-F5344CB8AC3E}">
+        <p14:creationId xmlns:p14="http://schemas.microsoft.com/office/powerpoint/2010/main" val="2082493405"/>
+      </p:ext>
+    </p:extLst>
+  </p:cSld>
+  <p:clrMapOvr>
+    <a:masterClrMapping/>
+  </p:clrMapOvr>
+</p:sld>
+</file>
+
+<file path=ppt/slides/slide12.xml><?xml version="1.0" encoding="utf-8"?>
+<p:sld xmlns:a="http://schemas.openxmlformats.org/drawingml/2006/main" xmlns:r="http://schemas.openxmlformats.org/officeDocument/2006/relationships" xmlns:p="http://schemas.openxmlformats.org/presentationml/2006/main">
+  <p:cSld>
+    <p:bg>
+      <p:bgPr>
+        <a:solidFill>
+          <a:schemeClr val="tx1">
+            <a:lumMod val="50000"/>
+            <a:lumOff val="50000"/>
+          </a:schemeClr>
+        </a:solidFill>
+        <a:effectLst/>
+      </p:bgPr>
+    </p:bg>
+    <p:spTree>
+      <p:nvGrpSpPr>
+        <p:cNvPr id="1" name="">
+          <a:extLst>
+            <a:ext uri="{FF2B5EF4-FFF2-40B4-BE49-F238E27FC236}">
               <a16:creationId xmlns:a16="http://schemas.microsoft.com/office/drawing/2014/main" id="{589033DD-7C6F-4AC5-B9F3-0EB95CD20717}"/>
             </a:ext>
           </a:extLst>
@@ -3581,9 +3959,19 @@
                 <a:latin typeface="等线" panose="02110004020202020204"/>
                 <a:ea typeface="等线" panose="02010600030101010101" pitchFamily="2" charset="-122"/>
               </a:rPr>
-              <a:t>请立刻按上箭头</a:t>
-            </a:r>
-            <a:endParaRPr kumimoji="0" lang="en-US" altLang="zh-CN" sz="4000" b="0" i="0" u="none" strike="noStrike" kern="1200" cap="none" spc="0" normalizeH="0" baseline="0" noProof="0" dirty="0">
+              <a:t>请立刻按</a:t>
+            </a:r>
+            <a:r>
+              <a:rPr lang="zh-CN" altLang="en-US" sz="4000" b="1" dirty="0">
+                <a:solidFill>
+                  <a:prstClr val="black"/>
+                </a:solidFill>
+                <a:latin typeface="等线" panose="02110004020202020204"/>
+                <a:ea typeface="等线" panose="02010600030101010101" pitchFamily="2" charset="-122"/>
+              </a:rPr>
+              <a:t>上箭头</a:t>
+            </a:r>
+            <a:endParaRPr kumimoji="0" lang="en-US" altLang="zh-CN" sz="4000" b="1" i="0" u="none" strike="noStrike" kern="1200" cap="none" spc="0" normalizeH="0" baseline="0" noProof="0" dirty="0">
               <a:ln>
                 <a:noFill/>
               </a:ln>
@@ -3613,7 +4001,7 @@
 </p:sld>
 </file>
 
-<file path=ppt/slides/slide11.xml><?xml version="1.0" encoding="utf-8"?>
+<file path=ppt/slides/slide13.xml><?xml version="1.0" encoding="utf-8"?>
 <p:sld xmlns:a="http://schemas.openxmlformats.org/drawingml/2006/main" xmlns:r="http://schemas.openxmlformats.org/officeDocument/2006/relationships" xmlns:p="http://schemas.openxmlformats.org/presentationml/2006/main">
   <p:cSld>
     <p:bg>
@@ -3773,7 +4161,7 @@
 </p:sld>
 </file>
 
-<file path=ppt/slides/slide12.xml><?xml version="1.0" encoding="utf-8"?>
+<file path=ppt/slides/slide14.xml><?xml version="1.0" encoding="utf-8"?>
 <p:sld xmlns:a="http://schemas.openxmlformats.org/drawingml/2006/main" xmlns:r="http://schemas.openxmlformats.org/officeDocument/2006/relationships" xmlns:p="http://schemas.openxmlformats.org/presentationml/2006/main">
   <p:cSld>
     <p:bg>
@@ -3847,7 +4235,7 @@
                   <a:prstClr val="black"/>
                 </a:solidFill>
               </a:rPr>
-              <a:t>听到音调变尖</a:t>
+              <a:t>听到音调变低</a:t>
             </a:r>
             <a:endParaRPr lang="en-US" altLang="zh-CN" sz="4000" dirty="0">
               <a:solidFill>
@@ -3868,9 +4256,17 @@
                   <a:prstClr val="black"/>
                 </a:solidFill>
               </a:rPr>
-              <a:t>请立刻按下箭头</a:t>
-            </a:r>
-            <a:endParaRPr lang="en-US" altLang="zh-CN" sz="4000" dirty="0">
+              <a:t>请立刻按</a:t>
+            </a:r>
+            <a:r>
+              <a:rPr lang="zh-CN" altLang="en-US" sz="4000" b="1" dirty="0">
+                <a:solidFill>
+                  <a:prstClr val="black"/>
+                </a:solidFill>
+              </a:rPr>
+              <a:t>下箭头</a:t>
+            </a:r>
+            <a:endParaRPr lang="en-US" altLang="zh-CN" sz="4000" b="1" dirty="0">
               <a:solidFill>
                 <a:prstClr val="black"/>
               </a:solidFill>
@@ -3891,7 +4287,7 @@
 </p:sld>
 </file>
 
-<file path=ppt/slides/slide13.xml><?xml version="1.0" encoding="utf-8"?>
+<file path=ppt/slides/slide15.xml><?xml version="1.0" encoding="utf-8"?>
 <p:sld xmlns:a="http://schemas.openxmlformats.org/drawingml/2006/main" xmlns:r="http://schemas.openxmlformats.org/officeDocument/2006/relationships" xmlns:p="http://schemas.openxmlformats.org/presentationml/2006/main">
   <p:cSld>
     <p:spTree>
@@ -3975,7 +4371,14 @@
           <a:p>
             <a:r>
               <a:rPr lang="zh-CN" altLang="en-US" dirty="0"/>
-              <a:t>输入</a:t>
+              <a:t>示例播放完如果被试有疑问，重新播放：</a:t>
+            </a:r>
+            <a:endParaRPr lang="en-US" altLang="zh-CN" dirty="0"/>
+          </a:p>
+          <a:p>
+            <a:r>
+              <a:rPr lang="zh-CN" altLang="en-US" dirty="0"/>
+              <a:t>按</a:t>
             </a:r>
             <a:r>
               <a:rPr lang="en-US" altLang="zh-CN" dirty="0"/>
@@ -3983,14 +4386,14 @@
             </a:r>
             <a:r>
               <a:rPr lang="zh-CN" altLang="en-US" dirty="0"/>
-              <a:t>，回车，播放上箭头对应刺激</a:t>
+              <a:t>播放上箭头对应刺激</a:t>
             </a:r>
             <a:endParaRPr lang="en-US" altLang="zh-CN" dirty="0"/>
           </a:p>
           <a:p>
             <a:r>
               <a:rPr lang="zh-CN" altLang="en-US" dirty="0"/>
-              <a:t>输入</a:t>
+              <a:t>按</a:t>
             </a:r>
             <a:r>
               <a:rPr lang="en-US" altLang="zh-CN" dirty="0"/>
@@ -3998,14 +4401,14 @@
             </a:r>
             <a:r>
               <a:rPr lang="zh-CN" altLang="en-US" dirty="0"/>
-              <a:t>，回车，播放下箭头对应刺激</a:t>
+              <a:t>播放下箭头对应刺激</a:t>
             </a:r>
             <a:endParaRPr lang="en-US" altLang="zh-CN" dirty="0"/>
           </a:p>
           <a:p>
             <a:r>
               <a:rPr lang="zh-CN" altLang="en-US" dirty="0"/>
-              <a:t>示例讲解完让被试自行判断，并给反馈</a:t>
+              <a:t>而后主试随机播放刺激，让被试自行判断，并给反馈</a:t>
             </a:r>
             <a:endParaRPr lang="en-US" altLang="zh-CN" dirty="0"/>
           </a:p>
@@ -4020,7 +4423,7 @@
             </a:r>
             <a:r>
               <a:rPr lang="zh-CN" altLang="en-US" dirty="0"/>
-              <a:t>次后，讲后续的指导语</a:t>
+              <a:t>次后，按退格键，讲后续的指导语</a:t>
             </a:r>
           </a:p>
         </p:txBody>
@@ -4038,7 +4441,7 @@
 </p:sld>
 </file>
 
-<file path=ppt/slides/slide14.xml><?xml version="1.0" encoding="utf-8"?>
+<file path=ppt/slides/slide16.xml><?xml version="1.0" encoding="utf-8"?>
 <p:sld xmlns:a="http://schemas.openxmlformats.org/drawingml/2006/main" xmlns:r="http://schemas.openxmlformats.org/officeDocument/2006/relationships" xmlns:p="http://schemas.openxmlformats.org/presentationml/2006/main">
   <p:cSld>
     <p:bg>
@@ -4175,9 +4578,39 @@
                 <a:latin typeface="等线" panose="02110004020202020204"/>
                 <a:ea typeface="等线" panose="02010600030101010101" pitchFamily="2" charset="-122"/>
               </a:rPr>
-              <a:t>最后一个声音会很弱，也有可能不出现</a:t>
-            </a:r>
-            <a:endParaRPr lang="en-US" altLang="zh-CN" sz="3600" dirty="0">
+              <a:t>最后一个声音会</a:t>
+            </a:r>
+            <a:r>
+              <a:rPr lang="zh-CN" altLang="en-US" sz="3600" b="1" dirty="0">
+                <a:solidFill>
+                  <a:prstClr val="black"/>
+                </a:solidFill>
+                <a:latin typeface="等线" panose="02110004020202020204"/>
+                <a:ea typeface="等线" panose="02010600030101010101" pitchFamily="2" charset="-122"/>
+              </a:rPr>
+              <a:t>很小</a:t>
+            </a:r>
+            <a:r>
+              <a:rPr lang="zh-CN" altLang="en-US" sz="3600" dirty="0">
+                <a:solidFill>
+                  <a:prstClr val="black"/>
+                </a:solidFill>
+                <a:latin typeface="等线" panose="02110004020202020204"/>
+                <a:ea typeface="等线" panose="02010600030101010101" pitchFamily="2" charset="-122"/>
+              </a:rPr>
+              <a:t>，也有可能</a:t>
+            </a:r>
+            <a:r>
+              <a:rPr lang="zh-CN" altLang="en-US" sz="3600" b="1" dirty="0">
+                <a:solidFill>
+                  <a:prstClr val="black"/>
+                </a:solidFill>
+                <a:latin typeface="等线" panose="02110004020202020204"/>
+                <a:ea typeface="等线" panose="02010600030101010101" pitchFamily="2" charset="-122"/>
+              </a:rPr>
+              <a:t>不出现</a:t>
+            </a:r>
+            <a:endParaRPr lang="en-US" altLang="zh-CN" sz="3600" b="1" dirty="0">
               <a:solidFill>
                 <a:prstClr val="black"/>
               </a:solidFill>
@@ -4283,10 +4716,525 @@
           </a:p>
         </p:txBody>
       </p:sp>
+      <p:sp>
+        <p:nvSpPr>
+          <p:cNvPr id="2" name="文本框 1">
+            <a:extLst>
+              <a:ext uri="{FF2B5EF4-FFF2-40B4-BE49-F238E27FC236}">
+                <a16:creationId xmlns:a16="http://schemas.microsoft.com/office/drawing/2014/main" id="{7F92DB13-1A33-5AD7-313B-9776A91D63B2}"/>
+              </a:ext>
+            </a:extLst>
+          </p:cNvPr>
+          <p:cNvSpPr txBox="1"/>
+          <p:nvPr/>
+        </p:nvSpPr>
+        <p:spPr>
+          <a:xfrm>
+            <a:off x="10627743" y="120770"/>
+            <a:ext cx="1345721" cy="379562"/>
+          </a:xfrm>
+          <a:prstGeom prst="rect">
+            <a:avLst/>
+          </a:prstGeom>
+          <a:noFill/>
+        </p:spPr>
+        <p:txBody>
+          <a:bodyPr wrap="square" rtlCol="0">
+            <a:spAutoFit/>
+          </a:bodyPr>
+          <a:lstStyle/>
+          <a:p>
+            <a:pPr algn="r"/>
+            <a:r>
+              <a:rPr lang="en-US" altLang="zh-CN" b="1" dirty="0"/>
+              <a:t>Space</a:t>
+            </a:r>
+            <a:endParaRPr lang="zh-CN" altLang="en-US" b="1" dirty="0"/>
+          </a:p>
+        </p:txBody>
+      </p:sp>
     </p:spTree>
     <p:extLst>
       <p:ext uri="{BB962C8B-B14F-4D97-AF65-F5344CB8AC3E}">
         <p14:creationId xmlns:p14="http://schemas.microsoft.com/office/powerpoint/2010/main" val="2410844643"/>
+      </p:ext>
+    </p:extLst>
+  </p:cSld>
+  <p:clrMapOvr>
+    <a:masterClrMapping/>
+  </p:clrMapOvr>
+</p:sld>
+</file>
+
+<file path=ppt/slides/slide17.xml><?xml version="1.0" encoding="utf-8"?>
+<p:sld xmlns:a="http://schemas.openxmlformats.org/drawingml/2006/main" xmlns:r="http://schemas.openxmlformats.org/officeDocument/2006/relationships" xmlns:p="http://schemas.openxmlformats.org/presentationml/2006/main">
+  <p:cSld>
+    <p:bg>
+      <p:bgPr>
+        <a:solidFill>
+          <a:schemeClr val="tx1">
+            <a:lumMod val="50000"/>
+            <a:lumOff val="50000"/>
+          </a:schemeClr>
+        </a:solidFill>
+        <a:effectLst/>
+      </p:bgPr>
+    </p:bg>
+    <p:spTree>
+      <p:nvGrpSpPr>
+        <p:cNvPr id="1" name="">
+          <a:extLst>
+            <a:ext uri="{FF2B5EF4-FFF2-40B4-BE49-F238E27FC236}">
+              <a16:creationId xmlns:a16="http://schemas.microsoft.com/office/drawing/2014/main" id="{D71D4349-BCF1-DE06-FA95-E803C36C1193}"/>
+            </a:ext>
+          </a:extLst>
+        </p:cNvPr>
+        <p:cNvGrpSpPr/>
+        <p:nvPr/>
+      </p:nvGrpSpPr>
+      <p:grpSpPr>
+        <a:xfrm>
+          <a:off x="0" y="0"/>
+          <a:ext cx="0" cy="0"/>
+          <a:chOff x="0" y="0"/>
+          <a:chExt cx="0" cy="0"/>
+        </a:xfrm>
+      </p:grpSpPr>
+      <p:sp>
+        <p:nvSpPr>
+          <p:cNvPr id="4" name="文本框 3">
+            <a:extLst>
+              <a:ext uri="{FF2B5EF4-FFF2-40B4-BE49-F238E27FC236}">
+                <a16:creationId xmlns:a16="http://schemas.microsoft.com/office/drawing/2014/main" id="{A456E0A0-8087-DB6B-B94C-88638ADFA724}"/>
+              </a:ext>
+            </a:extLst>
+          </p:cNvPr>
+          <p:cNvSpPr txBox="1"/>
+          <p:nvPr/>
+        </p:nvSpPr>
+        <p:spPr>
+          <a:xfrm>
+            <a:off x="1191535" y="2590116"/>
+            <a:ext cx="9808930" cy="1845185"/>
+          </a:xfrm>
+          <a:prstGeom prst="rect">
+            <a:avLst/>
+          </a:prstGeom>
+          <a:noFill/>
+        </p:spPr>
+        <p:txBody>
+          <a:bodyPr wrap="square" rtlCol="0">
+            <a:spAutoFit/>
+          </a:bodyPr>
+          <a:lstStyle/>
+          <a:p>
+            <a:pPr marL="0" marR="0" lvl="0" indent="0" algn="ctr" defTabSz="914400" rtl="0" eaLnBrk="1" fontAlgn="auto" latinLnBrk="0" hangingPunct="1">
+              <a:lnSpc>
+                <a:spcPct val="150000"/>
+              </a:lnSpc>
+              <a:spcBef>
+                <a:spcPts val="0"/>
+              </a:spcBef>
+              <a:spcAft>
+                <a:spcPts val="0"/>
+              </a:spcAft>
+              <a:buClrTx/>
+              <a:buSzTx/>
+              <a:buFontTx/>
+              <a:buNone/>
+              <a:tabLst/>
+              <a:defRPr/>
+            </a:pPr>
+            <a:r>
+              <a:rPr kumimoji="0" lang="zh-CN" altLang="en-US" sz="4000" b="0" i="0" u="none" strike="noStrike" kern="1200" cap="none" spc="0" normalizeH="0" baseline="0" noProof="0" dirty="0">
+                <a:ln>
+                  <a:noFill/>
+                </a:ln>
+                <a:solidFill>
+                  <a:prstClr val="black"/>
+                </a:solidFill>
+                <a:effectLst/>
+                <a:uLnTx/>
+                <a:uFillTx/>
+                <a:latin typeface="等线" panose="02110004020202020204"/>
+                <a:ea typeface="等线" panose="02010600030101010101" pitchFamily="2" charset="-122"/>
+                <a:cs typeface="+mn-cs"/>
+              </a:rPr>
+              <a:t>按空格开始播放</a:t>
+            </a:r>
+            <a:endParaRPr kumimoji="0" lang="en-US" altLang="zh-CN" sz="4000" b="0" i="0" u="none" strike="noStrike" kern="1200" cap="none" spc="0" normalizeH="0" baseline="0" noProof="0" dirty="0">
+              <a:ln>
+                <a:noFill/>
+              </a:ln>
+              <a:solidFill>
+                <a:prstClr val="black"/>
+              </a:solidFill>
+              <a:effectLst/>
+              <a:uLnTx/>
+              <a:uFillTx/>
+              <a:latin typeface="等线" panose="02110004020202020204"/>
+              <a:ea typeface="等线" panose="02010600030101010101" pitchFamily="2" charset="-122"/>
+              <a:cs typeface="+mn-cs"/>
+            </a:endParaRPr>
+          </a:p>
+          <a:p>
+            <a:pPr marL="0" marR="0" lvl="0" indent="0" algn="ctr" defTabSz="914400" rtl="0" eaLnBrk="1" fontAlgn="auto" latinLnBrk="0" hangingPunct="1">
+              <a:lnSpc>
+                <a:spcPct val="150000"/>
+              </a:lnSpc>
+              <a:spcBef>
+                <a:spcPts val="0"/>
+              </a:spcBef>
+              <a:spcAft>
+                <a:spcPts val="0"/>
+              </a:spcAft>
+              <a:buClrTx/>
+              <a:buSzTx/>
+              <a:buFontTx/>
+              <a:buNone/>
+              <a:tabLst/>
+              <a:defRPr/>
+            </a:pPr>
+            <a:r>
+              <a:rPr kumimoji="0" lang="zh-CN" altLang="en-US" sz="4000" b="0" i="0" u="none" strike="noStrike" kern="1200" cap="none" spc="0" normalizeH="0" baseline="0" noProof="0" dirty="0">
+                <a:ln>
+                  <a:noFill/>
+                </a:ln>
+                <a:solidFill>
+                  <a:prstClr val="black"/>
+                </a:solidFill>
+                <a:effectLst/>
+                <a:uLnTx/>
+                <a:uFillTx/>
+                <a:latin typeface="等线" panose="02110004020202020204"/>
+                <a:ea typeface="等线" panose="02010600030101010101" pitchFamily="2" charset="-122"/>
+                <a:cs typeface="+mn-cs"/>
+              </a:rPr>
+              <a:t>请自行判断并按键</a:t>
+            </a:r>
+            <a:endParaRPr kumimoji="0" lang="en-US" altLang="zh-CN" sz="4000" b="0" i="0" u="none" strike="noStrike" kern="1200" cap="none" spc="0" normalizeH="0" baseline="0" noProof="0" dirty="0">
+              <a:ln>
+                <a:noFill/>
+              </a:ln>
+              <a:solidFill>
+                <a:prstClr val="black"/>
+              </a:solidFill>
+              <a:effectLst/>
+              <a:uLnTx/>
+              <a:uFillTx/>
+              <a:latin typeface="等线" panose="02110004020202020204"/>
+              <a:ea typeface="等线" panose="02010600030101010101" pitchFamily="2" charset="-122"/>
+              <a:cs typeface="+mn-cs"/>
+            </a:endParaRPr>
+          </a:p>
+        </p:txBody>
+      </p:sp>
+    </p:spTree>
+    <p:extLst>
+      <p:ext uri="{BB962C8B-B14F-4D97-AF65-F5344CB8AC3E}">
+        <p14:creationId xmlns:p14="http://schemas.microsoft.com/office/powerpoint/2010/main" val="3223142738"/>
+      </p:ext>
+    </p:extLst>
+  </p:cSld>
+  <p:clrMapOvr>
+    <a:masterClrMapping/>
+  </p:clrMapOvr>
+</p:sld>
+</file>
+
+<file path=ppt/slides/slide18.xml><?xml version="1.0" encoding="utf-8"?>
+<p:sld xmlns:a="http://schemas.openxmlformats.org/drawingml/2006/main" xmlns:r="http://schemas.openxmlformats.org/officeDocument/2006/relationships" xmlns:p="http://schemas.openxmlformats.org/presentationml/2006/main">
+  <p:cSld>
+    <p:bg>
+      <p:bgPr>
+        <a:solidFill>
+          <a:schemeClr val="tx1">
+            <a:lumMod val="50000"/>
+            <a:lumOff val="50000"/>
+          </a:schemeClr>
+        </a:solidFill>
+        <a:effectLst/>
+      </p:bgPr>
+    </p:bg>
+    <p:spTree>
+      <p:nvGrpSpPr>
+        <p:cNvPr id="1" name="">
+          <a:extLst>
+            <a:ext uri="{FF2B5EF4-FFF2-40B4-BE49-F238E27FC236}">
+              <a16:creationId xmlns:a16="http://schemas.microsoft.com/office/drawing/2014/main" id="{D109F861-FEBC-B837-B591-F9BAEEA8EEBB}"/>
+            </a:ext>
+          </a:extLst>
+        </p:cNvPr>
+        <p:cNvGrpSpPr/>
+        <p:nvPr/>
+      </p:nvGrpSpPr>
+      <p:grpSpPr>
+        <a:xfrm>
+          <a:off x="0" y="0"/>
+          <a:ext cx="0" cy="0"/>
+          <a:chOff x="0" y="0"/>
+          <a:chExt cx="0" cy="0"/>
+        </a:xfrm>
+      </p:grpSpPr>
+      <p:sp>
+        <p:nvSpPr>
+          <p:cNvPr id="4" name="文本框 3">
+            <a:extLst>
+              <a:ext uri="{FF2B5EF4-FFF2-40B4-BE49-F238E27FC236}">
+                <a16:creationId xmlns:a16="http://schemas.microsoft.com/office/drawing/2014/main" id="{F2FABA57-8071-E21F-8ECC-4DA23FE11326}"/>
+              </a:ext>
+            </a:extLst>
+          </p:cNvPr>
+          <p:cNvSpPr txBox="1"/>
+          <p:nvPr/>
+        </p:nvSpPr>
+        <p:spPr>
+          <a:xfrm>
+            <a:off x="1191535" y="2590116"/>
+            <a:ext cx="9808930" cy="1845185"/>
+          </a:xfrm>
+          <a:prstGeom prst="rect">
+            <a:avLst/>
+          </a:prstGeom>
+          <a:noFill/>
+        </p:spPr>
+        <p:txBody>
+          <a:bodyPr wrap="square" rtlCol="0">
+            <a:spAutoFit/>
+          </a:bodyPr>
+          <a:lstStyle/>
+          <a:p>
+            <a:pPr marL="0" marR="0" lvl="0" indent="0" algn="ctr" defTabSz="914400" rtl="0" eaLnBrk="1" fontAlgn="auto" latinLnBrk="0" hangingPunct="1">
+              <a:lnSpc>
+                <a:spcPct val="150000"/>
+              </a:lnSpc>
+              <a:spcBef>
+                <a:spcPts val="0"/>
+              </a:spcBef>
+              <a:spcAft>
+                <a:spcPts val="0"/>
+              </a:spcAft>
+              <a:buClrTx/>
+              <a:buSzTx/>
+              <a:buFontTx/>
+              <a:buNone/>
+              <a:tabLst/>
+              <a:defRPr/>
+            </a:pPr>
+            <a:r>
+              <a:rPr kumimoji="0" lang="zh-CN" altLang="en-US" sz="4000" b="0" i="0" u="none" strike="noStrike" kern="1200" cap="none" spc="0" normalizeH="0" baseline="0" noProof="0" dirty="0">
+                <a:ln>
+                  <a:noFill/>
+                </a:ln>
+                <a:solidFill>
+                  <a:prstClr val="black"/>
+                </a:solidFill>
+                <a:effectLst/>
+                <a:uLnTx/>
+                <a:uFillTx/>
+                <a:latin typeface="等线" panose="02110004020202020204"/>
+                <a:ea typeface="等线" panose="02010600030101010101" pitchFamily="2" charset="-122"/>
+                <a:cs typeface="+mn-cs"/>
+              </a:rPr>
+              <a:t>✅</a:t>
+            </a:r>
+            <a:endParaRPr kumimoji="0" lang="en-US" altLang="zh-CN" sz="4000" b="0" i="0" u="none" strike="noStrike" kern="1200" cap="none" spc="0" normalizeH="0" baseline="0" noProof="0" dirty="0">
+              <a:ln>
+                <a:noFill/>
+              </a:ln>
+              <a:solidFill>
+                <a:prstClr val="black"/>
+              </a:solidFill>
+              <a:effectLst/>
+              <a:uLnTx/>
+              <a:uFillTx/>
+              <a:latin typeface="等线" panose="02110004020202020204"/>
+              <a:ea typeface="等线" panose="02010600030101010101" pitchFamily="2" charset="-122"/>
+              <a:cs typeface="+mn-cs"/>
+            </a:endParaRPr>
+          </a:p>
+          <a:p>
+            <a:pPr marL="0" marR="0" lvl="0" indent="0" algn="ctr" defTabSz="914400" rtl="0" eaLnBrk="1" fontAlgn="auto" latinLnBrk="0" hangingPunct="1">
+              <a:lnSpc>
+                <a:spcPct val="150000"/>
+              </a:lnSpc>
+              <a:spcBef>
+                <a:spcPts val="0"/>
+              </a:spcBef>
+              <a:spcAft>
+                <a:spcPts val="0"/>
+              </a:spcAft>
+              <a:buClrTx/>
+              <a:buSzTx/>
+              <a:buFontTx/>
+              <a:buNone/>
+              <a:tabLst/>
+              <a:defRPr/>
+            </a:pPr>
+            <a:r>
+              <a:rPr lang="zh-CN" altLang="en-US" sz="4000" dirty="0">
+                <a:solidFill>
+                  <a:prstClr val="black"/>
+                </a:solidFill>
+                <a:latin typeface="等线" panose="02110004020202020204"/>
+                <a:ea typeface="等线" panose="02010600030101010101" pitchFamily="2" charset="-122"/>
+              </a:rPr>
+              <a:t>按空格继续</a:t>
+            </a:r>
+            <a:endParaRPr kumimoji="0" lang="en-US" altLang="zh-CN" sz="4000" b="0" i="0" u="none" strike="noStrike" kern="1200" cap="none" spc="0" normalizeH="0" baseline="0" noProof="0" dirty="0">
+              <a:ln>
+                <a:noFill/>
+              </a:ln>
+              <a:solidFill>
+                <a:prstClr val="black"/>
+              </a:solidFill>
+              <a:effectLst/>
+              <a:uLnTx/>
+              <a:uFillTx/>
+              <a:latin typeface="等线" panose="02110004020202020204"/>
+              <a:ea typeface="等线" panose="02010600030101010101" pitchFamily="2" charset="-122"/>
+              <a:cs typeface="+mn-cs"/>
+            </a:endParaRPr>
+          </a:p>
+        </p:txBody>
+      </p:sp>
+    </p:spTree>
+    <p:extLst>
+      <p:ext uri="{BB962C8B-B14F-4D97-AF65-F5344CB8AC3E}">
+        <p14:creationId xmlns:p14="http://schemas.microsoft.com/office/powerpoint/2010/main" val="4132039829"/>
+      </p:ext>
+    </p:extLst>
+  </p:cSld>
+  <p:clrMapOvr>
+    <a:masterClrMapping/>
+  </p:clrMapOvr>
+</p:sld>
+</file>
+
+<file path=ppt/slides/slide19.xml><?xml version="1.0" encoding="utf-8"?>
+<p:sld xmlns:a="http://schemas.openxmlformats.org/drawingml/2006/main" xmlns:r="http://schemas.openxmlformats.org/officeDocument/2006/relationships" xmlns:p="http://schemas.openxmlformats.org/presentationml/2006/main">
+  <p:cSld>
+    <p:bg>
+      <p:bgPr>
+        <a:solidFill>
+          <a:schemeClr val="tx1">
+            <a:lumMod val="50000"/>
+            <a:lumOff val="50000"/>
+          </a:schemeClr>
+        </a:solidFill>
+        <a:effectLst/>
+      </p:bgPr>
+    </p:bg>
+    <p:spTree>
+      <p:nvGrpSpPr>
+        <p:cNvPr id="1" name="">
+          <a:extLst>
+            <a:ext uri="{FF2B5EF4-FFF2-40B4-BE49-F238E27FC236}">
+              <a16:creationId xmlns:a16="http://schemas.microsoft.com/office/drawing/2014/main" id="{10119C32-A461-8135-165B-FC39DCC8B4E6}"/>
+            </a:ext>
+          </a:extLst>
+        </p:cNvPr>
+        <p:cNvGrpSpPr/>
+        <p:nvPr/>
+      </p:nvGrpSpPr>
+      <p:grpSpPr>
+        <a:xfrm>
+          <a:off x="0" y="0"/>
+          <a:ext cx="0" cy="0"/>
+          <a:chOff x="0" y="0"/>
+          <a:chExt cx="0" cy="0"/>
+        </a:xfrm>
+      </p:grpSpPr>
+      <p:sp>
+        <p:nvSpPr>
+          <p:cNvPr id="4" name="文本框 3">
+            <a:extLst>
+              <a:ext uri="{FF2B5EF4-FFF2-40B4-BE49-F238E27FC236}">
+                <a16:creationId xmlns:a16="http://schemas.microsoft.com/office/drawing/2014/main" id="{08A0077E-ED45-D5C8-FE71-FB1CBCAFE4D9}"/>
+              </a:ext>
+            </a:extLst>
+          </p:cNvPr>
+          <p:cNvSpPr txBox="1"/>
+          <p:nvPr/>
+        </p:nvSpPr>
+        <p:spPr>
+          <a:xfrm>
+            <a:off x="1191535" y="2590116"/>
+            <a:ext cx="9808930" cy="1845185"/>
+          </a:xfrm>
+          <a:prstGeom prst="rect">
+            <a:avLst/>
+          </a:prstGeom>
+          <a:noFill/>
+        </p:spPr>
+        <p:txBody>
+          <a:bodyPr wrap="square" rtlCol="0">
+            <a:spAutoFit/>
+          </a:bodyPr>
+          <a:lstStyle/>
+          <a:p>
+            <a:pPr marL="0" marR="0" lvl="0" indent="0" algn="ctr" defTabSz="914400" rtl="0" eaLnBrk="1" fontAlgn="auto" latinLnBrk="0" hangingPunct="1">
+              <a:lnSpc>
+                <a:spcPct val="150000"/>
+              </a:lnSpc>
+              <a:spcBef>
+                <a:spcPts val="0"/>
+              </a:spcBef>
+              <a:spcAft>
+                <a:spcPts val="0"/>
+              </a:spcAft>
+              <a:buClrTx/>
+              <a:buSzTx/>
+              <a:buFontTx/>
+              <a:buNone/>
+              <a:tabLst/>
+              <a:defRPr/>
+            </a:pPr>
+            <a:r>
+              <a:rPr lang="zh-CN" altLang="en-US" sz="4000" dirty="0">
+                <a:solidFill>
+                  <a:prstClr val="black"/>
+                </a:solidFill>
+                <a:latin typeface="等线" panose="02110004020202020204"/>
+                <a:ea typeface="等线" panose="02010600030101010101" pitchFamily="2" charset="-122"/>
+              </a:rPr>
+              <a:t>❌</a:t>
+            </a:r>
+            <a:endParaRPr lang="en-US" altLang="zh-CN" sz="4000" dirty="0">
+              <a:solidFill>
+                <a:prstClr val="black"/>
+              </a:solidFill>
+              <a:latin typeface="等线" panose="02110004020202020204"/>
+              <a:ea typeface="等线" panose="02010600030101010101" pitchFamily="2" charset="-122"/>
+            </a:endParaRPr>
+          </a:p>
+          <a:p>
+            <a:pPr algn="ctr">
+              <a:lnSpc>
+                <a:spcPct val="150000"/>
+              </a:lnSpc>
+              <a:defRPr/>
+            </a:pPr>
+            <a:r>
+              <a:rPr lang="zh-CN" altLang="en-US" sz="4000" dirty="0">
+                <a:solidFill>
+                  <a:prstClr val="black"/>
+                </a:solidFill>
+              </a:rPr>
+              <a:t>按空格继续</a:t>
+            </a:r>
+            <a:endParaRPr lang="en-US" altLang="zh-CN" sz="4000" dirty="0">
+              <a:solidFill>
+                <a:prstClr val="black"/>
+              </a:solidFill>
+            </a:endParaRPr>
+          </a:p>
+        </p:txBody>
+      </p:sp>
+    </p:spTree>
+    <p:extLst>
+      <p:ext uri="{BB962C8B-B14F-4D97-AF65-F5344CB8AC3E}">
+        <p14:creationId xmlns:p14="http://schemas.microsoft.com/office/powerpoint/2010/main" val="1726365431"/>
       </p:ext>
     </p:extLst>
   </p:cSld>
@@ -4486,7 +5434,7 @@
             </a:pPr>
             <a:r>
               <a:rPr lang="zh-CN" altLang="en-US" sz="3600" dirty="0"/>
-              <a:t>请一直看着屏幕中央的闪烁光斑</a:t>
+              <a:t>请一直看着屏幕中央，将出现闪烁光斑</a:t>
             </a:r>
             <a:endParaRPr lang="en-US" altLang="zh-CN" sz="3600" dirty="0"/>
           </a:p>
@@ -4552,10 +5500,926 @@
           </a:p>
         </p:txBody>
       </p:sp>
+      <p:sp>
+        <p:nvSpPr>
+          <p:cNvPr id="2" name="文本框 1">
+            <a:extLst>
+              <a:ext uri="{FF2B5EF4-FFF2-40B4-BE49-F238E27FC236}">
+                <a16:creationId xmlns:a16="http://schemas.microsoft.com/office/drawing/2014/main" id="{83E659C6-EA2C-B5C0-96B6-2B42DD1E45F3}"/>
+              </a:ext>
+            </a:extLst>
+          </p:cNvPr>
+          <p:cNvSpPr txBox="1"/>
+          <p:nvPr/>
+        </p:nvSpPr>
+        <p:spPr>
+          <a:xfrm>
+            <a:off x="10627743" y="120770"/>
+            <a:ext cx="1345721" cy="379562"/>
+          </a:xfrm>
+          <a:prstGeom prst="rect">
+            <a:avLst/>
+          </a:prstGeom>
+          <a:noFill/>
+        </p:spPr>
+        <p:txBody>
+          <a:bodyPr wrap="square" rtlCol="0">
+            <a:spAutoFit/>
+          </a:bodyPr>
+          <a:lstStyle/>
+          <a:p>
+            <a:pPr algn="r"/>
+            <a:r>
+              <a:rPr lang="en-US" altLang="zh-CN" b="1" dirty="0"/>
+              <a:t>Space</a:t>
+            </a:r>
+            <a:endParaRPr lang="zh-CN" altLang="en-US" b="1" dirty="0"/>
+          </a:p>
+        </p:txBody>
+      </p:sp>
+      <p:sp>
+        <p:nvSpPr>
+          <p:cNvPr id="3" name="文本框 2">
+            <a:extLst>
+              <a:ext uri="{FF2B5EF4-FFF2-40B4-BE49-F238E27FC236}">
+                <a16:creationId xmlns:a16="http://schemas.microsoft.com/office/drawing/2014/main" id="{B917DDD5-2375-6A34-58C3-019013AA35FD}"/>
+              </a:ext>
+            </a:extLst>
+          </p:cNvPr>
+          <p:cNvSpPr txBox="1"/>
+          <p:nvPr/>
+        </p:nvSpPr>
+        <p:spPr>
+          <a:xfrm>
+            <a:off x="86263" y="120770"/>
+            <a:ext cx="2225615" cy="369332"/>
+          </a:xfrm>
+          <a:prstGeom prst="rect">
+            <a:avLst/>
+          </a:prstGeom>
+          <a:noFill/>
+        </p:spPr>
+        <p:txBody>
+          <a:bodyPr wrap="square" rtlCol="0">
+            <a:spAutoFit/>
+          </a:bodyPr>
+          <a:lstStyle/>
+          <a:p>
+            <a:r>
+              <a:rPr lang="en-US" altLang="zh-CN" b="1" dirty="0"/>
+              <a:t>Skip by </a:t>
+            </a:r>
+            <a:r>
+              <a:rPr lang="en-US" altLang="zh-CN" b="1" dirty="0" err="1"/>
+              <a:t>BackSpace</a:t>
+            </a:r>
+            <a:endParaRPr lang="zh-CN" altLang="en-US" b="1" dirty="0"/>
+          </a:p>
+        </p:txBody>
+      </p:sp>
     </p:spTree>
     <p:extLst>
       <p:ext uri="{BB962C8B-B14F-4D97-AF65-F5344CB8AC3E}">
         <p14:creationId xmlns:p14="http://schemas.microsoft.com/office/powerpoint/2010/main" val="2169061586"/>
+      </p:ext>
+    </p:extLst>
+  </p:cSld>
+  <p:clrMapOvr>
+    <a:masterClrMapping/>
+  </p:clrMapOvr>
+</p:sld>
+</file>
+
+<file path=ppt/slides/slide20.xml><?xml version="1.0" encoding="utf-8"?>
+<p:sld xmlns:a="http://schemas.openxmlformats.org/drawingml/2006/main" xmlns:r="http://schemas.openxmlformats.org/officeDocument/2006/relationships" xmlns:p="http://schemas.openxmlformats.org/presentationml/2006/main">
+  <p:cSld>
+    <p:bg>
+      <p:bgPr>
+        <a:solidFill>
+          <a:schemeClr val="tx1">
+            <a:lumMod val="50000"/>
+            <a:lumOff val="50000"/>
+          </a:schemeClr>
+        </a:solidFill>
+        <a:effectLst/>
+      </p:bgPr>
+    </p:bg>
+    <p:spTree>
+      <p:nvGrpSpPr>
+        <p:cNvPr id="1" name=""/>
+        <p:cNvGrpSpPr/>
+        <p:nvPr/>
+      </p:nvGrpSpPr>
+      <p:grpSpPr>
+        <a:xfrm>
+          <a:off x="0" y="0"/>
+          <a:ext cx="0" cy="0"/>
+          <a:chOff x="0" y="0"/>
+          <a:chExt cx="0" cy="0"/>
+        </a:xfrm>
+      </p:grpSpPr>
+      <p:sp>
+        <p:nvSpPr>
+          <p:cNvPr id="4" name="文本框 3">
+            <a:extLst>
+              <a:ext uri="{FF2B5EF4-FFF2-40B4-BE49-F238E27FC236}">
+                <a16:creationId xmlns:a16="http://schemas.microsoft.com/office/drawing/2014/main" id="{EC51B168-E4E1-76E2-2E5F-19CA932D5D65}"/>
+              </a:ext>
+            </a:extLst>
+          </p:cNvPr>
+          <p:cNvSpPr txBox="1"/>
+          <p:nvPr/>
+        </p:nvSpPr>
+        <p:spPr>
+          <a:xfrm>
+            <a:off x="2091812" y="2875002"/>
+            <a:ext cx="8008375" cy="1107996"/>
+          </a:xfrm>
+          <a:prstGeom prst="rect">
+            <a:avLst/>
+          </a:prstGeom>
+          <a:noFill/>
+        </p:spPr>
+        <p:txBody>
+          <a:bodyPr wrap="square" rtlCol="0">
+            <a:spAutoFit/>
+          </a:bodyPr>
+          <a:lstStyle/>
+          <a:p>
+            <a:pPr marL="0" marR="0" lvl="0" indent="0" algn="ctr" defTabSz="914400" rtl="0" eaLnBrk="1" fontAlgn="auto" latinLnBrk="0" hangingPunct="1">
+              <a:lnSpc>
+                <a:spcPct val="100000"/>
+              </a:lnSpc>
+              <a:spcBef>
+                <a:spcPts val="0"/>
+              </a:spcBef>
+              <a:spcAft>
+                <a:spcPts val="0"/>
+              </a:spcAft>
+              <a:buClrTx/>
+              <a:buSzTx/>
+              <a:buFontTx/>
+              <a:buNone/>
+              <a:tabLst/>
+              <a:defRPr/>
+            </a:pPr>
+            <a:r>
+              <a:rPr kumimoji="0" lang="zh-CN" altLang="en-US" sz="6600" b="0" i="0" u="none" strike="noStrike" kern="1200" cap="none" spc="0" normalizeH="0" baseline="0" noProof="0" dirty="0">
+                <a:ln>
+                  <a:noFill/>
+                </a:ln>
+                <a:solidFill>
+                  <a:prstClr val="black"/>
+                </a:solidFill>
+                <a:effectLst/>
+                <a:uLnTx/>
+                <a:uFillTx/>
+                <a:latin typeface="等线" panose="02110004020202020204"/>
+                <a:ea typeface="等线" panose="02010600030101010101" pitchFamily="2" charset="-122"/>
+                <a:cs typeface="+mn-cs"/>
+              </a:rPr>
+              <a:t>请等待实验员操作</a:t>
+            </a:r>
+            <a:endParaRPr kumimoji="0" lang="en-US" altLang="zh-CN" sz="6600" b="0" i="0" u="none" strike="noStrike" kern="1200" cap="none" spc="0" normalizeH="0" baseline="0" noProof="0" dirty="0">
+              <a:ln>
+                <a:noFill/>
+              </a:ln>
+              <a:solidFill>
+                <a:prstClr val="black"/>
+              </a:solidFill>
+              <a:effectLst/>
+              <a:uLnTx/>
+              <a:uFillTx/>
+              <a:latin typeface="等线" panose="02110004020202020204"/>
+              <a:ea typeface="等线" panose="02010600030101010101" pitchFamily="2" charset="-122"/>
+              <a:cs typeface="+mn-cs"/>
+            </a:endParaRPr>
+          </a:p>
+        </p:txBody>
+      </p:sp>
+      <p:sp>
+        <p:nvSpPr>
+          <p:cNvPr id="2" name="文本框 1">
+            <a:extLst>
+              <a:ext uri="{FF2B5EF4-FFF2-40B4-BE49-F238E27FC236}">
+                <a16:creationId xmlns:a16="http://schemas.microsoft.com/office/drawing/2014/main" id="{C19B87A9-7F5C-22B7-D71D-36505799FF3E}"/>
+              </a:ext>
+            </a:extLst>
+          </p:cNvPr>
+          <p:cNvSpPr txBox="1"/>
+          <p:nvPr/>
+        </p:nvSpPr>
+        <p:spPr>
+          <a:xfrm>
+            <a:off x="86263" y="120770"/>
+            <a:ext cx="2225615" cy="369332"/>
+          </a:xfrm>
+          <a:prstGeom prst="rect">
+            <a:avLst/>
+          </a:prstGeom>
+          <a:noFill/>
+        </p:spPr>
+        <p:txBody>
+          <a:bodyPr wrap="square" rtlCol="0">
+            <a:spAutoFit/>
+          </a:bodyPr>
+          <a:lstStyle/>
+          <a:p>
+            <a:r>
+              <a:rPr lang="en-US" altLang="zh-CN" b="1" dirty="0"/>
+              <a:t>Skip by </a:t>
+            </a:r>
+            <a:r>
+              <a:rPr lang="en-US" altLang="zh-CN" b="1" dirty="0" err="1"/>
+              <a:t>BackSpace</a:t>
+            </a:r>
+            <a:endParaRPr lang="zh-CN" altLang="en-US" b="1" dirty="0"/>
+          </a:p>
+        </p:txBody>
+      </p:sp>
+      <p:sp>
+        <p:nvSpPr>
+          <p:cNvPr id="3" name="文本框 2">
+            <a:extLst>
+              <a:ext uri="{FF2B5EF4-FFF2-40B4-BE49-F238E27FC236}">
+                <a16:creationId xmlns:a16="http://schemas.microsoft.com/office/drawing/2014/main" id="{197ACB07-60DC-261F-F871-71B023778B1E}"/>
+              </a:ext>
+            </a:extLst>
+          </p:cNvPr>
+          <p:cNvSpPr txBox="1"/>
+          <p:nvPr/>
+        </p:nvSpPr>
+        <p:spPr>
+          <a:xfrm>
+            <a:off x="10627743" y="120770"/>
+            <a:ext cx="1345721" cy="379562"/>
+          </a:xfrm>
+          <a:prstGeom prst="rect">
+            <a:avLst/>
+          </a:prstGeom>
+          <a:noFill/>
+        </p:spPr>
+        <p:txBody>
+          <a:bodyPr wrap="square" rtlCol="0">
+            <a:spAutoFit/>
+          </a:bodyPr>
+          <a:lstStyle/>
+          <a:p>
+            <a:pPr algn="r"/>
+            <a:r>
+              <a:rPr lang="en-US" altLang="zh-CN" b="1" dirty="0"/>
+              <a:t>1 or 2</a:t>
+            </a:r>
+            <a:endParaRPr lang="zh-CN" altLang="en-US" b="1" dirty="0"/>
+          </a:p>
+        </p:txBody>
+      </p:sp>
+    </p:spTree>
+    <p:extLst>
+      <p:ext uri="{BB962C8B-B14F-4D97-AF65-F5344CB8AC3E}">
+        <p14:creationId xmlns:p14="http://schemas.microsoft.com/office/powerpoint/2010/main" val="1016098224"/>
+      </p:ext>
+    </p:extLst>
+  </p:cSld>
+  <p:clrMapOvr>
+    <a:masterClrMapping/>
+  </p:clrMapOvr>
+</p:sld>
+</file>
+
+<file path=ppt/slides/slide21.xml><?xml version="1.0" encoding="utf-8"?>
+<p:sld xmlns:a="http://schemas.openxmlformats.org/drawingml/2006/main" xmlns:r="http://schemas.openxmlformats.org/officeDocument/2006/relationships" xmlns:p="http://schemas.openxmlformats.org/presentationml/2006/main">
+  <p:cSld>
+    <p:bg>
+      <p:bgPr>
+        <a:solidFill>
+          <a:schemeClr val="tx1">
+            <a:lumMod val="50000"/>
+            <a:lumOff val="50000"/>
+          </a:schemeClr>
+        </a:solidFill>
+        <a:effectLst/>
+      </p:bgPr>
+    </p:bg>
+    <p:spTree>
+      <p:nvGrpSpPr>
+        <p:cNvPr id="1" name="">
+          <a:extLst>
+            <a:ext uri="{FF2B5EF4-FFF2-40B4-BE49-F238E27FC236}">
+              <a16:creationId xmlns:a16="http://schemas.microsoft.com/office/drawing/2014/main" id="{47848FB7-D2EA-70E3-E940-C9DD1D6B71CB}"/>
+            </a:ext>
+          </a:extLst>
+        </p:cNvPr>
+        <p:cNvGrpSpPr/>
+        <p:nvPr/>
+      </p:nvGrpSpPr>
+      <p:grpSpPr>
+        <a:xfrm>
+          <a:off x="0" y="0"/>
+          <a:ext cx="0" cy="0"/>
+          <a:chOff x="0" y="0"/>
+          <a:chExt cx="0" cy="0"/>
+        </a:xfrm>
+      </p:grpSpPr>
+      <p:sp>
+        <p:nvSpPr>
+          <p:cNvPr id="4" name="文本框 3">
+            <a:extLst>
+              <a:ext uri="{FF2B5EF4-FFF2-40B4-BE49-F238E27FC236}">
+                <a16:creationId xmlns:a16="http://schemas.microsoft.com/office/drawing/2014/main" id="{AB7DD3AF-9FF7-069B-862F-343E45FE1900}"/>
+              </a:ext>
+            </a:extLst>
+          </p:cNvPr>
+          <p:cNvSpPr txBox="1"/>
+          <p:nvPr/>
+        </p:nvSpPr>
+        <p:spPr>
+          <a:xfrm>
+            <a:off x="2091812" y="2875002"/>
+            <a:ext cx="8008375" cy="1107996"/>
+          </a:xfrm>
+          <a:prstGeom prst="rect">
+            <a:avLst/>
+          </a:prstGeom>
+          <a:noFill/>
+        </p:spPr>
+        <p:txBody>
+          <a:bodyPr wrap="square" rtlCol="0">
+            <a:spAutoFit/>
+          </a:bodyPr>
+          <a:lstStyle/>
+          <a:p>
+            <a:pPr marL="0" marR="0" lvl="0" indent="0" algn="ctr" defTabSz="914400" rtl="0" eaLnBrk="1" fontAlgn="auto" latinLnBrk="0" hangingPunct="1">
+              <a:lnSpc>
+                <a:spcPct val="100000"/>
+              </a:lnSpc>
+              <a:spcBef>
+                <a:spcPts val="0"/>
+              </a:spcBef>
+              <a:spcAft>
+                <a:spcPts val="0"/>
+              </a:spcAft>
+              <a:buClrTx/>
+              <a:buSzTx/>
+              <a:buFontTx/>
+              <a:buNone/>
+              <a:tabLst/>
+              <a:defRPr/>
+            </a:pPr>
+            <a:r>
+              <a:rPr kumimoji="0" lang="zh-CN" altLang="en-US" sz="6600" b="0" i="0" u="none" strike="noStrike" kern="1200" cap="none" spc="0" normalizeH="0" baseline="0" noProof="0" dirty="0">
+                <a:ln>
+                  <a:noFill/>
+                </a:ln>
+                <a:solidFill>
+                  <a:prstClr val="black"/>
+                </a:solidFill>
+                <a:effectLst/>
+                <a:uLnTx/>
+                <a:uFillTx/>
+                <a:latin typeface="等线" panose="02110004020202020204"/>
+                <a:ea typeface="等线" panose="02010600030101010101" pitchFamily="2" charset="-122"/>
+                <a:cs typeface="+mn-cs"/>
+              </a:rPr>
+              <a:t>请等待实验员操作</a:t>
+            </a:r>
+            <a:endParaRPr kumimoji="0" lang="en-US" altLang="zh-CN" sz="6600" b="0" i="0" u="none" strike="noStrike" kern="1200" cap="none" spc="0" normalizeH="0" baseline="0" noProof="0" dirty="0">
+              <a:ln>
+                <a:noFill/>
+              </a:ln>
+              <a:solidFill>
+                <a:prstClr val="black"/>
+              </a:solidFill>
+              <a:effectLst/>
+              <a:uLnTx/>
+              <a:uFillTx/>
+              <a:latin typeface="等线" panose="02110004020202020204"/>
+              <a:ea typeface="等线" panose="02010600030101010101" pitchFamily="2" charset="-122"/>
+              <a:cs typeface="+mn-cs"/>
+            </a:endParaRPr>
+          </a:p>
+        </p:txBody>
+      </p:sp>
+      <p:sp>
+        <p:nvSpPr>
+          <p:cNvPr id="2" name="文本框 1">
+            <a:extLst>
+              <a:ext uri="{FF2B5EF4-FFF2-40B4-BE49-F238E27FC236}">
+                <a16:creationId xmlns:a16="http://schemas.microsoft.com/office/drawing/2014/main" id="{BEE65A83-A532-422C-CC21-29CF5260A919}"/>
+              </a:ext>
+            </a:extLst>
+          </p:cNvPr>
+          <p:cNvSpPr txBox="1"/>
+          <p:nvPr/>
+        </p:nvSpPr>
+        <p:spPr>
+          <a:xfrm>
+            <a:off x="10627743" y="120770"/>
+            <a:ext cx="1345721" cy="379562"/>
+          </a:xfrm>
+          <a:prstGeom prst="rect">
+            <a:avLst/>
+          </a:prstGeom>
+          <a:noFill/>
+        </p:spPr>
+        <p:txBody>
+          <a:bodyPr wrap="square" rtlCol="0">
+            <a:spAutoFit/>
+          </a:bodyPr>
+          <a:lstStyle/>
+          <a:p>
+            <a:pPr algn="r"/>
+            <a:r>
+              <a:rPr lang="en-US" altLang="zh-CN" b="1" dirty="0"/>
+              <a:t>Enter</a:t>
+            </a:r>
+            <a:endParaRPr lang="zh-CN" altLang="en-US" b="1" dirty="0"/>
+          </a:p>
+        </p:txBody>
+      </p:sp>
+      <p:sp>
+        <p:nvSpPr>
+          <p:cNvPr id="3" name="文本框 2">
+            <a:extLst>
+              <a:ext uri="{FF2B5EF4-FFF2-40B4-BE49-F238E27FC236}">
+                <a16:creationId xmlns:a16="http://schemas.microsoft.com/office/drawing/2014/main" id="{F9D9BAB0-3CC2-12B4-8312-C224FACC552E}"/>
+              </a:ext>
+            </a:extLst>
+          </p:cNvPr>
+          <p:cNvSpPr txBox="1"/>
+          <p:nvPr/>
+        </p:nvSpPr>
+        <p:spPr>
+          <a:xfrm>
+            <a:off x="86263" y="6418053"/>
+            <a:ext cx="3099760" cy="369332"/>
+          </a:xfrm>
+          <a:prstGeom prst="rect">
+            <a:avLst/>
+          </a:prstGeom>
+          <a:noFill/>
+        </p:spPr>
+        <p:txBody>
+          <a:bodyPr wrap="square" rtlCol="0">
+            <a:spAutoFit/>
+          </a:bodyPr>
+          <a:lstStyle/>
+          <a:p>
+            <a:r>
+              <a:rPr lang="en-US" altLang="zh-CN" b="1" dirty="0"/>
+              <a:t>Quit Check by </a:t>
+            </a:r>
+            <a:r>
+              <a:rPr lang="en-US" altLang="zh-CN" b="1" dirty="0" err="1"/>
+              <a:t>BackSpace</a:t>
+            </a:r>
+            <a:endParaRPr lang="zh-CN" altLang="en-US" b="1" dirty="0"/>
+          </a:p>
+        </p:txBody>
+      </p:sp>
+    </p:spTree>
+    <p:extLst>
+      <p:ext uri="{BB962C8B-B14F-4D97-AF65-F5344CB8AC3E}">
+        <p14:creationId xmlns:p14="http://schemas.microsoft.com/office/powerpoint/2010/main" val="838014157"/>
+      </p:ext>
+    </p:extLst>
+  </p:cSld>
+  <p:clrMapOvr>
+    <a:masterClrMapping/>
+  </p:clrMapOvr>
+</p:sld>
+</file>
+
+<file path=ppt/slides/slide22.xml><?xml version="1.0" encoding="utf-8"?>
+<p:sld xmlns:a="http://schemas.openxmlformats.org/drawingml/2006/main" xmlns:r="http://schemas.openxmlformats.org/officeDocument/2006/relationships" xmlns:p="http://schemas.openxmlformats.org/presentationml/2006/main">
+  <p:cSld>
+    <p:bg>
+      <p:bgPr>
+        <a:solidFill>
+          <a:schemeClr val="tx1">
+            <a:lumMod val="50000"/>
+            <a:lumOff val="50000"/>
+          </a:schemeClr>
+        </a:solidFill>
+        <a:effectLst/>
+      </p:bgPr>
+    </p:bg>
+    <p:spTree>
+      <p:nvGrpSpPr>
+        <p:cNvPr id="1" name=""/>
+        <p:cNvGrpSpPr/>
+        <p:nvPr/>
+      </p:nvGrpSpPr>
+      <p:grpSpPr>
+        <a:xfrm>
+          <a:off x="0" y="0"/>
+          <a:ext cx="0" cy="0"/>
+          <a:chOff x="0" y="0"/>
+          <a:chExt cx="0" cy="0"/>
+        </a:xfrm>
+      </p:grpSpPr>
+      <p:sp>
+        <p:nvSpPr>
+          <p:cNvPr id="4" name="文本框 3">
+            <a:extLst>
+              <a:ext uri="{FF2B5EF4-FFF2-40B4-BE49-F238E27FC236}">
+                <a16:creationId xmlns:a16="http://schemas.microsoft.com/office/drawing/2014/main" id="{EC51B168-E4E1-76E2-2E5F-19CA932D5D65}"/>
+              </a:ext>
+            </a:extLst>
+          </p:cNvPr>
+          <p:cNvSpPr txBox="1"/>
+          <p:nvPr/>
+        </p:nvSpPr>
+        <p:spPr>
+          <a:xfrm>
+            <a:off x="2091812" y="2321004"/>
+            <a:ext cx="8008375" cy="1107996"/>
+          </a:xfrm>
+          <a:prstGeom prst="rect">
+            <a:avLst/>
+          </a:prstGeom>
+          <a:noFill/>
+        </p:spPr>
+        <p:txBody>
+          <a:bodyPr wrap="square" rtlCol="0">
+            <a:spAutoFit/>
+          </a:bodyPr>
+          <a:lstStyle/>
+          <a:p>
+            <a:pPr marL="0" marR="0" lvl="0" indent="0" algn="ctr" defTabSz="914400" rtl="0" eaLnBrk="1" fontAlgn="auto" latinLnBrk="0" hangingPunct="1">
+              <a:lnSpc>
+                <a:spcPct val="100000"/>
+              </a:lnSpc>
+              <a:spcBef>
+                <a:spcPts val="0"/>
+              </a:spcBef>
+              <a:spcAft>
+                <a:spcPts val="0"/>
+              </a:spcAft>
+              <a:buClrTx/>
+              <a:buSzTx/>
+              <a:buFontTx/>
+              <a:buNone/>
+              <a:tabLst/>
+              <a:defRPr/>
+            </a:pPr>
+            <a:r>
+              <a:rPr kumimoji="0" lang="zh-CN" altLang="en-US" sz="6600" b="0" i="0" u="none" strike="noStrike" kern="1200" cap="none" spc="0" normalizeH="0" baseline="0" noProof="0" dirty="0">
+                <a:ln>
+                  <a:noFill/>
+                </a:ln>
+                <a:solidFill>
+                  <a:prstClr val="black"/>
+                </a:solidFill>
+                <a:effectLst/>
+                <a:uLnTx/>
+                <a:uFillTx/>
+                <a:latin typeface="等线" panose="02110004020202020204"/>
+                <a:ea typeface="等线" panose="02010600030101010101" pitchFamily="2" charset="-122"/>
+                <a:cs typeface="+mn-cs"/>
+              </a:rPr>
+              <a:t>请稍作休息</a:t>
+            </a:r>
+            <a:endParaRPr kumimoji="0" lang="en-US" altLang="zh-CN" sz="6600" b="0" i="0" u="none" strike="noStrike" kern="1200" cap="none" spc="0" normalizeH="0" baseline="0" noProof="0" dirty="0">
+              <a:ln>
+                <a:noFill/>
+              </a:ln>
+              <a:solidFill>
+                <a:prstClr val="black"/>
+              </a:solidFill>
+              <a:effectLst/>
+              <a:uLnTx/>
+              <a:uFillTx/>
+              <a:latin typeface="等线" panose="02110004020202020204"/>
+              <a:ea typeface="等线" panose="02010600030101010101" pitchFamily="2" charset="-122"/>
+              <a:cs typeface="+mn-cs"/>
+            </a:endParaRPr>
+          </a:p>
+        </p:txBody>
+      </p:sp>
+      <p:sp>
+        <p:nvSpPr>
+          <p:cNvPr id="3" name="文本框 2">
+            <a:extLst>
+              <a:ext uri="{FF2B5EF4-FFF2-40B4-BE49-F238E27FC236}">
+                <a16:creationId xmlns:a16="http://schemas.microsoft.com/office/drawing/2014/main" id="{3CE39407-4415-F0F9-B6DE-BC408475F558}"/>
+              </a:ext>
+            </a:extLst>
+          </p:cNvPr>
+          <p:cNvSpPr txBox="1"/>
+          <p:nvPr/>
+        </p:nvSpPr>
+        <p:spPr>
+          <a:xfrm>
+            <a:off x="86263" y="6418053"/>
+            <a:ext cx="3099760" cy="369332"/>
+          </a:xfrm>
+          <a:prstGeom prst="rect">
+            <a:avLst/>
+          </a:prstGeom>
+          <a:noFill/>
+        </p:spPr>
+        <p:txBody>
+          <a:bodyPr wrap="square" rtlCol="0">
+            <a:spAutoFit/>
+          </a:bodyPr>
+          <a:lstStyle/>
+          <a:p>
+            <a:r>
+              <a:rPr lang="en-US" altLang="zh-CN" b="1" dirty="0"/>
+              <a:t>Start Check by </a:t>
+            </a:r>
+            <a:r>
+              <a:rPr lang="en-US" altLang="zh-CN" b="1" dirty="0" err="1"/>
+              <a:t>BackSpace</a:t>
+            </a:r>
+            <a:endParaRPr lang="zh-CN" altLang="en-US" b="1" dirty="0"/>
+          </a:p>
+        </p:txBody>
+      </p:sp>
+    </p:spTree>
+    <p:extLst>
+      <p:ext uri="{BB962C8B-B14F-4D97-AF65-F5344CB8AC3E}">
+        <p14:creationId xmlns:p14="http://schemas.microsoft.com/office/powerpoint/2010/main" val="3976902807"/>
+      </p:ext>
+    </p:extLst>
+  </p:cSld>
+  <p:clrMapOvr>
+    <a:masterClrMapping/>
+  </p:clrMapOvr>
+</p:sld>
+</file>
+
+<file path=ppt/slides/slide23.xml><?xml version="1.0" encoding="utf-8"?>
+<p:sld xmlns:a="http://schemas.openxmlformats.org/drawingml/2006/main" xmlns:r="http://schemas.openxmlformats.org/officeDocument/2006/relationships" xmlns:p="http://schemas.openxmlformats.org/presentationml/2006/main">
+  <p:cSld>
+    <p:bg>
+      <p:bgPr>
+        <a:solidFill>
+          <a:schemeClr val="tx1">
+            <a:lumMod val="50000"/>
+            <a:lumOff val="50000"/>
+          </a:schemeClr>
+        </a:solidFill>
+        <a:effectLst/>
+      </p:bgPr>
+    </p:bg>
+    <p:spTree>
+      <p:nvGrpSpPr>
+        <p:cNvPr id="1" name="">
+          <a:extLst>
+            <a:ext uri="{FF2B5EF4-FFF2-40B4-BE49-F238E27FC236}">
+              <a16:creationId xmlns:a16="http://schemas.microsoft.com/office/drawing/2014/main" id="{B247A59D-7A81-98FE-19BC-0A171E201797}"/>
+            </a:ext>
+          </a:extLst>
+        </p:cNvPr>
+        <p:cNvGrpSpPr/>
+        <p:nvPr/>
+      </p:nvGrpSpPr>
+      <p:grpSpPr>
+        <a:xfrm>
+          <a:off x="0" y="0"/>
+          <a:ext cx="0" cy="0"/>
+          <a:chOff x="0" y="0"/>
+          <a:chExt cx="0" cy="0"/>
+        </a:xfrm>
+      </p:grpSpPr>
+      <p:sp>
+        <p:nvSpPr>
+          <p:cNvPr id="2" name="文本框 1">
+            <a:extLst>
+              <a:ext uri="{FF2B5EF4-FFF2-40B4-BE49-F238E27FC236}">
+                <a16:creationId xmlns:a16="http://schemas.microsoft.com/office/drawing/2014/main" id="{03478C36-E3CC-810F-D839-9361D51BD678}"/>
+              </a:ext>
+            </a:extLst>
+          </p:cNvPr>
+          <p:cNvSpPr txBox="1"/>
+          <p:nvPr/>
+        </p:nvSpPr>
+        <p:spPr>
+          <a:xfrm>
+            <a:off x="2091812" y="3891558"/>
+            <a:ext cx="8008375" cy="769441"/>
+          </a:xfrm>
+          <a:prstGeom prst="rect">
+            <a:avLst/>
+          </a:prstGeom>
+          <a:noFill/>
+        </p:spPr>
+        <p:txBody>
+          <a:bodyPr wrap="square" rtlCol="0">
+            <a:spAutoFit/>
+          </a:bodyPr>
+          <a:lstStyle/>
+          <a:p>
+            <a:pPr marL="0" marR="0" lvl="0" indent="0" algn="ctr" defTabSz="914400" rtl="0" eaLnBrk="1" fontAlgn="auto" latinLnBrk="0" hangingPunct="1">
+              <a:lnSpc>
+                <a:spcPct val="100000"/>
+              </a:lnSpc>
+              <a:spcBef>
+                <a:spcPts val="0"/>
+              </a:spcBef>
+              <a:spcAft>
+                <a:spcPts val="0"/>
+              </a:spcAft>
+              <a:buClrTx/>
+              <a:buSzTx/>
+              <a:buFontTx/>
+              <a:buNone/>
+              <a:tabLst/>
+              <a:defRPr/>
+            </a:pPr>
+            <a:r>
+              <a:rPr kumimoji="0" lang="zh-CN" altLang="en-US" sz="4400" b="0" i="0" u="none" strike="noStrike" kern="1200" cap="none" spc="0" normalizeH="0" baseline="0" noProof="0" dirty="0">
+                <a:ln>
+                  <a:noFill/>
+                </a:ln>
+                <a:solidFill>
+                  <a:prstClr val="black"/>
+                </a:solidFill>
+                <a:effectLst/>
+                <a:uLnTx/>
+                <a:uFillTx/>
+                <a:latin typeface="等线" panose="02110004020202020204"/>
+                <a:ea typeface="等线" panose="02010600030101010101" pitchFamily="2" charset="-122"/>
+                <a:cs typeface="+mn-cs"/>
+              </a:rPr>
+              <a:t>按</a:t>
+            </a:r>
+            <a:r>
+              <a:rPr kumimoji="0" lang="zh-CN" altLang="en-US" sz="4400" b="1" i="0" u="none" strike="noStrike" kern="1200" cap="none" spc="0" normalizeH="0" baseline="0" noProof="0" dirty="0">
+                <a:ln>
+                  <a:noFill/>
+                </a:ln>
+                <a:solidFill>
+                  <a:prstClr val="white"/>
+                </a:solidFill>
+                <a:effectLst/>
+                <a:uLnTx/>
+                <a:uFillTx/>
+                <a:latin typeface="等线" panose="02110004020202020204"/>
+                <a:ea typeface="等线" panose="02010600030101010101" pitchFamily="2" charset="-122"/>
+                <a:cs typeface="+mn-cs"/>
+              </a:rPr>
+              <a:t>空格键</a:t>
+            </a:r>
+            <a:r>
+              <a:rPr kumimoji="0" lang="zh-CN" altLang="en-US" sz="4400" b="0" i="0" u="none" strike="noStrike" kern="1200" cap="none" spc="0" normalizeH="0" baseline="0" noProof="0" dirty="0">
+                <a:ln>
+                  <a:noFill/>
+                </a:ln>
+                <a:solidFill>
+                  <a:prstClr val="black"/>
+                </a:solidFill>
+                <a:effectLst/>
+                <a:uLnTx/>
+                <a:uFillTx/>
+                <a:latin typeface="等线" panose="02110004020202020204"/>
+                <a:ea typeface="等线" panose="02010600030101010101" pitchFamily="2" charset="-122"/>
+                <a:cs typeface="+mn-cs"/>
+              </a:rPr>
+              <a:t>继续</a:t>
+            </a:r>
+            <a:endParaRPr kumimoji="0" lang="en-US" altLang="zh-CN" sz="4400" b="0" i="0" u="none" strike="noStrike" kern="1200" cap="none" spc="0" normalizeH="0" baseline="0" noProof="0" dirty="0">
+              <a:ln>
+                <a:noFill/>
+              </a:ln>
+              <a:solidFill>
+                <a:prstClr val="black"/>
+              </a:solidFill>
+              <a:effectLst/>
+              <a:uLnTx/>
+              <a:uFillTx/>
+              <a:latin typeface="等线" panose="02110004020202020204"/>
+              <a:ea typeface="等线" panose="02010600030101010101" pitchFamily="2" charset="-122"/>
+              <a:cs typeface="+mn-cs"/>
+            </a:endParaRPr>
+          </a:p>
+        </p:txBody>
+      </p:sp>
+      <p:sp>
+        <p:nvSpPr>
+          <p:cNvPr id="3" name="文本框 2">
+            <a:extLst>
+              <a:ext uri="{FF2B5EF4-FFF2-40B4-BE49-F238E27FC236}">
+                <a16:creationId xmlns:a16="http://schemas.microsoft.com/office/drawing/2014/main" id="{1BAFCA39-615A-0463-A62E-5A9A686D20AD}"/>
+              </a:ext>
+            </a:extLst>
+          </p:cNvPr>
+          <p:cNvSpPr txBox="1"/>
+          <p:nvPr/>
+        </p:nvSpPr>
+        <p:spPr>
+          <a:xfrm>
+            <a:off x="2091812" y="2321004"/>
+            <a:ext cx="8008375" cy="1107996"/>
+          </a:xfrm>
+          <a:prstGeom prst="rect">
+            <a:avLst/>
+          </a:prstGeom>
+          <a:noFill/>
+        </p:spPr>
+        <p:txBody>
+          <a:bodyPr wrap="square" rtlCol="0">
+            <a:spAutoFit/>
+          </a:bodyPr>
+          <a:lstStyle/>
+          <a:p>
+            <a:pPr marL="0" marR="0" lvl="0" indent="0" algn="ctr" defTabSz="914400" rtl="0" eaLnBrk="1" fontAlgn="auto" latinLnBrk="0" hangingPunct="1">
+              <a:lnSpc>
+                <a:spcPct val="100000"/>
+              </a:lnSpc>
+              <a:spcBef>
+                <a:spcPts val="0"/>
+              </a:spcBef>
+              <a:spcAft>
+                <a:spcPts val="0"/>
+              </a:spcAft>
+              <a:buClrTx/>
+              <a:buSzTx/>
+              <a:buFontTx/>
+              <a:buNone/>
+              <a:tabLst/>
+              <a:defRPr/>
+            </a:pPr>
+            <a:r>
+              <a:rPr kumimoji="0" lang="zh-CN" altLang="en-US" sz="6600" b="0" i="0" u="none" strike="noStrike" kern="1200" cap="none" spc="0" normalizeH="0" baseline="0" noProof="0" dirty="0">
+                <a:ln>
+                  <a:noFill/>
+                </a:ln>
+                <a:solidFill>
+                  <a:prstClr val="black"/>
+                </a:solidFill>
+                <a:effectLst/>
+                <a:uLnTx/>
+                <a:uFillTx/>
+                <a:latin typeface="等线" panose="02110004020202020204"/>
+                <a:ea typeface="等线" panose="02010600030101010101" pitchFamily="2" charset="-122"/>
+                <a:cs typeface="+mn-cs"/>
+              </a:rPr>
+              <a:t>请稍作休息</a:t>
+            </a:r>
+            <a:endParaRPr kumimoji="0" lang="en-US" altLang="zh-CN" sz="6600" b="0" i="0" u="none" strike="noStrike" kern="1200" cap="none" spc="0" normalizeH="0" baseline="0" noProof="0" dirty="0">
+              <a:ln>
+                <a:noFill/>
+              </a:ln>
+              <a:solidFill>
+                <a:prstClr val="black"/>
+              </a:solidFill>
+              <a:effectLst/>
+              <a:uLnTx/>
+              <a:uFillTx/>
+              <a:latin typeface="等线" panose="02110004020202020204"/>
+              <a:ea typeface="等线" panose="02010600030101010101" pitchFamily="2" charset="-122"/>
+              <a:cs typeface="+mn-cs"/>
+            </a:endParaRPr>
+          </a:p>
+        </p:txBody>
+      </p:sp>
+      <p:sp>
+        <p:nvSpPr>
+          <p:cNvPr id="4" name="文本框 3">
+            <a:extLst>
+              <a:ext uri="{FF2B5EF4-FFF2-40B4-BE49-F238E27FC236}">
+                <a16:creationId xmlns:a16="http://schemas.microsoft.com/office/drawing/2014/main" id="{9D1723D7-91A6-D4E8-1F02-4B3E3120971C}"/>
+              </a:ext>
+            </a:extLst>
+          </p:cNvPr>
+          <p:cNvSpPr txBox="1"/>
+          <p:nvPr/>
+        </p:nvSpPr>
+        <p:spPr>
+          <a:xfrm>
+            <a:off x="86263" y="6418053"/>
+            <a:ext cx="3099760" cy="369332"/>
+          </a:xfrm>
+          <a:prstGeom prst="rect">
+            <a:avLst/>
+          </a:prstGeom>
+          <a:noFill/>
+        </p:spPr>
+        <p:txBody>
+          <a:bodyPr wrap="square" rtlCol="0">
+            <a:spAutoFit/>
+          </a:bodyPr>
+          <a:lstStyle/>
+          <a:p>
+            <a:r>
+              <a:rPr lang="en-US" altLang="zh-CN" b="1" dirty="0"/>
+              <a:t>Start Check by </a:t>
+            </a:r>
+            <a:r>
+              <a:rPr lang="en-US" altLang="zh-CN" b="1" dirty="0" err="1"/>
+              <a:t>BackSpace</a:t>
+            </a:r>
+            <a:endParaRPr lang="zh-CN" altLang="en-US" b="1" dirty="0"/>
+          </a:p>
+        </p:txBody>
+      </p:sp>
+    </p:spTree>
+    <p:extLst>
+      <p:ext uri="{BB962C8B-B14F-4D97-AF65-F5344CB8AC3E}">
+        <p14:creationId xmlns:p14="http://schemas.microsoft.com/office/powerpoint/2010/main" val="2282452195"/>
       </p:ext>
     </p:extLst>
   </p:cSld>
@@ -4645,6 +6509,16 @@
               <a:defRPr/>
             </a:pPr>
             <a:r>
+              <a:rPr lang="zh-CN" altLang="en-US" sz="4000" dirty="0">
+                <a:solidFill>
+                  <a:prstClr val="black"/>
+                </a:solidFill>
+                <a:latin typeface="等线" panose="02110004020202020204"/>
+                <a:ea typeface="等线" panose="02010600030101010101" pitchFamily="2" charset="-122"/>
+              </a:rPr>
+              <a:t>即将</a:t>
+            </a:r>
+            <a:r>
               <a:rPr kumimoji="0" lang="zh-CN" altLang="en-US" sz="4000" b="0" i="0" u="none" strike="noStrike" kern="1200" cap="none" spc="0" normalizeH="0" baseline="0" noProof="0" dirty="0">
                 <a:ln>
                   <a:noFill/>
@@ -4659,7 +6533,41 @@
                 <a:ea typeface="等线" panose="02010600030101010101" pitchFamily="2" charset="-122"/>
                 <a:cs typeface="+mn-cs"/>
               </a:rPr>
-              <a:t>现在播放的是倾斜向上的示例</a:t>
+              <a:t>播放最后</a:t>
+            </a:r>
+            <a:r>
+              <a:rPr kumimoji="0" lang="zh-CN" altLang="en-US" sz="4000" b="1" i="0" u="none" strike="noStrike" kern="1200" cap="none" spc="0" normalizeH="0" baseline="0" noProof="0" dirty="0">
+                <a:ln>
+                  <a:noFill/>
+                </a:ln>
+                <a:solidFill>
+                  <a:prstClr val="black"/>
+                </a:solidFill>
+                <a:effectLst/>
+                <a:uLnTx/>
+                <a:uFillTx/>
+                <a:latin typeface="等线" panose="02110004020202020204"/>
+                <a:ea typeface="等线" panose="02010600030101010101" pitchFamily="2" charset="-122"/>
+                <a:cs typeface="+mn-cs"/>
+              </a:rPr>
+              <a:t>倾斜向上</a:t>
+            </a:r>
+            <a:r>
+              <a:rPr kumimoji="0" lang="zh-CN" altLang="en-US" sz="4000" b="0" i="0" u="none" strike="noStrike" kern="1200" cap="none" spc="0" normalizeH="0" baseline="0" noProof="0" dirty="0">
+                <a:ln>
+                  <a:noFill/>
+                </a:ln>
+                <a:solidFill>
+                  <a:prstClr val="black"/>
+                </a:solidFill>
+                <a:effectLst/>
+                <a:uLnTx/>
+                <a:uFillTx/>
+                <a:latin typeface="等线" panose="02110004020202020204"/>
+                <a:ea typeface="等线" panose="02010600030101010101" pitchFamily="2" charset="-122"/>
+                <a:cs typeface="+mn-cs"/>
+              </a:rPr>
+              <a:t>的示例</a:t>
             </a:r>
             <a:endParaRPr kumimoji="0" lang="en-US" altLang="zh-CN" sz="4000" b="0" i="0" u="none" strike="noStrike" kern="1200" cap="none" spc="0" normalizeH="0" baseline="0" noProof="0" dirty="0">
               <a:ln>
@@ -4771,7 +6679,7 @@
               <a:defRPr/>
             </a:pPr>
             <a:r>
-              <a:rPr kumimoji="0" lang="zh-CN" altLang="en-US" sz="4000" b="0" i="0" u="none" strike="noStrike" kern="1200" cap="none" spc="0" normalizeH="0" baseline="0" noProof="0">
+              <a:rPr kumimoji="0" lang="zh-CN" altLang="en-US" sz="4000" b="0" i="0" u="none" strike="noStrike" kern="1200" cap="none" spc="0" normalizeH="0" baseline="0" noProof="0" dirty="0">
                 <a:ln>
                   <a:noFill/>
                 </a:ln>
@@ -4835,9 +6743,26 @@
                 <a:ea typeface="等线" panose="02010600030101010101" pitchFamily="2" charset="-122"/>
                 <a:cs typeface="+mn-cs"/>
               </a:rPr>
-              <a:t>请立刻按上箭头</a:t>
-            </a:r>
-            <a:endParaRPr kumimoji="0" lang="en-US" altLang="zh-CN" sz="4000" b="0" i="0" u="none" strike="noStrike" kern="1200" cap="none" spc="0" normalizeH="0" baseline="0" noProof="0" dirty="0">
+              <a:t>请立刻按</a:t>
+            </a:r>
+            <a:r>
+              <a:rPr kumimoji="0" lang="zh-CN" altLang="en-US" sz="4000" b="1" i="0" u="none" strike="noStrike" kern="1200" cap="none" spc="0" normalizeH="0" baseline="0" noProof="0" dirty="0">
+                <a:ln>
+                  <a:noFill/>
+                </a:ln>
+                <a:solidFill>
+                  <a:prstClr val="black"/>
+                </a:solidFill>
+                <a:effectLst/>
+                <a:uLnTx/>
+                <a:uFillTx/>
+                <a:latin typeface="等线" panose="02110004020202020204"/>
+                <a:ea typeface="等线" panose="02010600030101010101" pitchFamily="2" charset="-122"/>
+                <a:cs typeface="+mn-cs"/>
+              </a:rPr>
+              <a:t>上箭头</a:t>
+            </a:r>
+            <a:endParaRPr kumimoji="0" lang="en-US" altLang="zh-CN" sz="4000" b="1" i="0" u="none" strike="noStrike" kern="1200" cap="none" spc="0" normalizeH="0" baseline="0" noProof="0" dirty="0">
               <a:ln>
                 <a:noFill/>
               </a:ln>
@@ -4870,6 +6795,369 @@
 <file path=ppt/slides/slide5.xml><?xml version="1.0" encoding="utf-8"?>
 <p:sld xmlns:a="http://schemas.openxmlformats.org/drawingml/2006/main" xmlns:r="http://schemas.openxmlformats.org/officeDocument/2006/relationships" xmlns:p="http://schemas.openxmlformats.org/presentationml/2006/main">
   <p:cSld>
+    <p:bg>
+      <p:bgPr>
+        <a:solidFill>
+          <a:schemeClr val="tx1">
+            <a:lumMod val="50000"/>
+            <a:lumOff val="50000"/>
+          </a:schemeClr>
+        </a:solidFill>
+        <a:effectLst/>
+      </p:bgPr>
+    </p:bg>
+    <p:spTree>
+      <p:nvGrpSpPr>
+        <p:cNvPr id="1" name="">
+          <a:extLst>
+            <a:ext uri="{FF2B5EF4-FFF2-40B4-BE49-F238E27FC236}">
+              <a16:creationId xmlns:a16="http://schemas.microsoft.com/office/drawing/2014/main" id="{7F6740CD-57CC-23DC-73C3-57B088064608}"/>
+            </a:ext>
+          </a:extLst>
+        </p:cNvPr>
+        <p:cNvGrpSpPr/>
+        <p:nvPr/>
+      </p:nvGrpSpPr>
+      <p:grpSpPr>
+        <a:xfrm>
+          <a:off x="0" y="0"/>
+          <a:ext cx="0" cy="0"/>
+          <a:chOff x="0" y="0"/>
+          <a:chExt cx="0" cy="0"/>
+        </a:xfrm>
+      </p:grpSpPr>
+      <p:sp>
+        <p:nvSpPr>
+          <p:cNvPr id="4" name="文本框 3">
+            <a:extLst>
+              <a:ext uri="{FF2B5EF4-FFF2-40B4-BE49-F238E27FC236}">
+                <a16:creationId xmlns:a16="http://schemas.microsoft.com/office/drawing/2014/main" id="{BA34FCC0-46B5-1062-03D8-5188AF44AC66}"/>
+              </a:ext>
+            </a:extLst>
+          </p:cNvPr>
+          <p:cNvSpPr txBox="1"/>
+          <p:nvPr/>
+        </p:nvSpPr>
+        <p:spPr>
+          <a:xfrm>
+            <a:off x="1191535" y="2590116"/>
+            <a:ext cx="9808930" cy="921855"/>
+          </a:xfrm>
+          <a:prstGeom prst="rect">
+            <a:avLst/>
+          </a:prstGeom>
+          <a:noFill/>
+        </p:spPr>
+        <p:txBody>
+          <a:bodyPr wrap="square" rtlCol="0">
+            <a:spAutoFit/>
+          </a:bodyPr>
+          <a:lstStyle/>
+          <a:p>
+            <a:pPr marL="0" marR="0" lvl="0" indent="0" algn="ctr" defTabSz="914400" rtl="0" eaLnBrk="1" fontAlgn="auto" latinLnBrk="0" hangingPunct="1">
+              <a:lnSpc>
+                <a:spcPct val="150000"/>
+              </a:lnSpc>
+              <a:spcBef>
+                <a:spcPts val="0"/>
+              </a:spcBef>
+              <a:spcAft>
+                <a:spcPts val="0"/>
+              </a:spcAft>
+              <a:buClrTx/>
+              <a:buSzTx/>
+              <a:buFontTx/>
+              <a:buNone/>
+              <a:tabLst/>
+              <a:defRPr/>
+            </a:pPr>
+            <a:r>
+              <a:rPr kumimoji="0" lang="zh-CN" altLang="en-US" sz="4000" b="0" i="0" u="none" strike="noStrike" kern="1200" cap="none" spc="0" normalizeH="0" baseline="0" noProof="0" dirty="0">
+                <a:ln>
+                  <a:noFill/>
+                </a:ln>
+                <a:solidFill>
+                  <a:prstClr val="black"/>
+                </a:solidFill>
+                <a:effectLst/>
+                <a:uLnTx/>
+                <a:uFillTx/>
+                <a:latin typeface="等线" panose="02110004020202020204"/>
+                <a:ea typeface="等线" panose="02010600030101010101" pitchFamily="2" charset="-122"/>
+                <a:cs typeface="+mn-cs"/>
+              </a:rPr>
+              <a:t>即将播放最后</a:t>
+            </a:r>
+            <a:r>
+              <a:rPr kumimoji="0" lang="zh-CN" altLang="en-US" sz="4000" b="1" i="0" u="none" strike="noStrike" kern="1200" cap="none" spc="0" normalizeH="0" baseline="0" noProof="0" dirty="0">
+                <a:ln>
+                  <a:noFill/>
+                </a:ln>
+                <a:solidFill>
+                  <a:prstClr val="black"/>
+                </a:solidFill>
+                <a:effectLst/>
+                <a:uLnTx/>
+                <a:uFillTx/>
+                <a:latin typeface="等线" panose="02110004020202020204"/>
+                <a:ea typeface="等线" panose="02010600030101010101" pitchFamily="2" charset="-122"/>
+                <a:cs typeface="+mn-cs"/>
+              </a:rPr>
+              <a:t>倾斜向</a:t>
+            </a:r>
+            <a:r>
+              <a:rPr lang="zh-CN" altLang="en-US" sz="4000" b="1" dirty="0">
+                <a:solidFill>
+                  <a:prstClr val="black"/>
+                </a:solidFill>
+                <a:latin typeface="等线" panose="02110004020202020204"/>
+                <a:ea typeface="等线" panose="02010600030101010101" pitchFamily="2" charset="-122"/>
+              </a:rPr>
+              <a:t>下</a:t>
+            </a:r>
+            <a:r>
+              <a:rPr kumimoji="0" lang="zh-CN" altLang="en-US" sz="4000" b="0" i="0" u="none" strike="noStrike" kern="1200" cap="none" spc="0" normalizeH="0" baseline="0" noProof="0" dirty="0">
+                <a:ln>
+                  <a:noFill/>
+                </a:ln>
+                <a:solidFill>
+                  <a:prstClr val="black"/>
+                </a:solidFill>
+                <a:effectLst/>
+                <a:uLnTx/>
+                <a:uFillTx/>
+                <a:latin typeface="等线" panose="02110004020202020204"/>
+                <a:ea typeface="等线" panose="02010600030101010101" pitchFamily="2" charset="-122"/>
+                <a:cs typeface="+mn-cs"/>
+              </a:rPr>
+              <a:t>的示例</a:t>
+            </a:r>
+            <a:endParaRPr kumimoji="0" lang="en-US" altLang="zh-CN" sz="4000" b="0" i="0" u="none" strike="noStrike" kern="1200" cap="none" spc="0" normalizeH="0" baseline="0" noProof="0" dirty="0">
+              <a:ln>
+                <a:noFill/>
+              </a:ln>
+              <a:solidFill>
+                <a:prstClr val="black"/>
+              </a:solidFill>
+              <a:effectLst/>
+              <a:uLnTx/>
+              <a:uFillTx/>
+              <a:latin typeface="等线" panose="02110004020202020204"/>
+              <a:ea typeface="等线" panose="02010600030101010101" pitchFamily="2" charset="-122"/>
+              <a:cs typeface="+mn-cs"/>
+            </a:endParaRPr>
+          </a:p>
+        </p:txBody>
+      </p:sp>
+    </p:spTree>
+    <p:extLst>
+      <p:ext uri="{BB962C8B-B14F-4D97-AF65-F5344CB8AC3E}">
+        <p14:creationId xmlns:p14="http://schemas.microsoft.com/office/powerpoint/2010/main" val="1879550839"/>
+      </p:ext>
+    </p:extLst>
+  </p:cSld>
+  <p:clrMapOvr>
+    <a:masterClrMapping/>
+  </p:clrMapOvr>
+</p:sld>
+</file>
+
+<file path=ppt/slides/slide6.xml><?xml version="1.0" encoding="utf-8"?>
+<p:sld xmlns:a="http://schemas.openxmlformats.org/drawingml/2006/main" xmlns:r="http://schemas.openxmlformats.org/officeDocument/2006/relationships" xmlns:p="http://schemas.openxmlformats.org/presentationml/2006/main">
+  <p:cSld>
+    <p:bg>
+      <p:bgPr>
+        <a:solidFill>
+          <a:schemeClr val="tx1">
+            <a:lumMod val="50000"/>
+            <a:lumOff val="50000"/>
+          </a:schemeClr>
+        </a:solidFill>
+        <a:effectLst/>
+      </p:bgPr>
+    </p:bg>
+    <p:spTree>
+      <p:nvGrpSpPr>
+        <p:cNvPr id="1" name="">
+          <a:extLst>
+            <a:ext uri="{FF2B5EF4-FFF2-40B4-BE49-F238E27FC236}">
+              <a16:creationId xmlns:a16="http://schemas.microsoft.com/office/drawing/2014/main" id="{CEF084B1-8D39-E507-50B7-64D59BD355FE}"/>
+            </a:ext>
+          </a:extLst>
+        </p:cNvPr>
+        <p:cNvGrpSpPr/>
+        <p:nvPr/>
+      </p:nvGrpSpPr>
+      <p:grpSpPr>
+        <a:xfrm>
+          <a:off x="0" y="0"/>
+          <a:ext cx="0" cy="0"/>
+          <a:chOff x="0" y="0"/>
+          <a:chExt cx="0" cy="0"/>
+        </a:xfrm>
+      </p:grpSpPr>
+      <p:sp>
+        <p:nvSpPr>
+          <p:cNvPr id="4" name="文本框 3">
+            <a:extLst>
+              <a:ext uri="{FF2B5EF4-FFF2-40B4-BE49-F238E27FC236}">
+                <a16:creationId xmlns:a16="http://schemas.microsoft.com/office/drawing/2014/main" id="{10AEF7DE-D01B-4D0F-C1E9-B80A747BC72B}"/>
+              </a:ext>
+            </a:extLst>
+          </p:cNvPr>
+          <p:cNvSpPr txBox="1"/>
+          <p:nvPr/>
+        </p:nvSpPr>
+        <p:spPr>
+          <a:xfrm>
+            <a:off x="1191535" y="2590116"/>
+            <a:ext cx="9808930" cy="1845185"/>
+          </a:xfrm>
+          <a:prstGeom prst="rect">
+            <a:avLst/>
+          </a:prstGeom>
+          <a:noFill/>
+        </p:spPr>
+        <p:txBody>
+          <a:bodyPr wrap="square" rtlCol="0">
+            <a:spAutoFit/>
+          </a:bodyPr>
+          <a:lstStyle/>
+          <a:p>
+            <a:pPr marL="0" marR="0" lvl="0" indent="0" algn="ctr" defTabSz="914400" rtl="0" eaLnBrk="1" fontAlgn="auto" latinLnBrk="0" hangingPunct="1">
+              <a:lnSpc>
+                <a:spcPct val="150000"/>
+              </a:lnSpc>
+              <a:spcBef>
+                <a:spcPts val="0"/>
+              </a:spcBef>
+              <a:spcAft>
+                <a:spcPts val="0"/>
+              </a:spcAft>
+              <a:buClrTx/>
+              <a:buSzTx/>
+              <a:buFontTx/>
+              <a:buNone/>
+              <a:tabLst/>
+              <a:defRPr/>
+            </a:pPr>
+            <a:r>
+              <a:rPr kumimoji="0" lang="zh-CN" altLang="en-US" sz="4000" b="0" i="0" u="none" strike="noStrike" kern="1200" cap="none" spc="0" normalizeH="0" baseline="0" noProof="0" dirty="0">
+                <a:ln>
+                  <a:noFill/>
+                </a:ln>
+                <a:solidFill>
+                  <a:prstClr val="black"/>
+                </a:solidFill>
+                <a:effectLst/>
+                <a:uLnTx/>
+                <a:uFillTx/>
+                <a:latin typeface="等线" panose="02110004020202020204"/>
+                <a:ea typeface="等线" panose="02010600030101010101" pitchFamily="2" charset="-122"/>
+                <a:cs typeface="+mn-cs"/>
+              </a:rPr>
+              <a:t>看到倾斜向下的光栅</a:t>
+            </a:r>
+            <a:endParaRPr kumimoji="0" lang="en-US" altLang="zh-CN" sz="4000" b="0" i="0" u="none" strike="noStrike" kern="1200" cap="none" spc="0" normalizeH="0" baseline="0" noProof="0" dirty="0">
+              <a:ln>
+                <a:noFill/>
+              </a:ln>
+              <a:solidFill>
+                <a:prstClr val="black"/>
+              </a:solidFill>
+              <a:effectLst/>
+              <a:uLnTx/>
+              <a:uFillTx/>
+              <a:latin typeface="等线" panose="02110004020202020204"/>
+              <a:ea typeface="等线" panose="02010600030101010101" pitchFamily="2" charset="-122"/>
+              <a:cs typeface="+mn-cs"/>
+            </a:endParaRPr>
+          </a:p>
+          <a:p>
+            <a:pPr marL="0" marR="0" lvl="0" indent="0" algn="ctr" defTabSz="914400" rtl="0" eaLnBrk="1" fontAlgn="auto" latinLnBrk="0" hangingPunct="1">
+              <a:lnSpc>
+                <a:spcPct val="150000"/>
+              </a:lnSpc>
+              <a:spcBef>
+                <a:spcPts val="0"/>
+              </a:spcBef>
+              <a:spcAft>
+                <a:spcPts val="0"/>
+              </a:spcAft>
+              <a:buClrTx/>
+              <a:buSzTx/>
+              <a:buFontTx/>
+              <a:buNone/>
+              <a:tabLst/>
+              <a:defRPr/>
+            </a:pPr>
+            <a:r>
+              <a:rPr kumimoji="0" lang="zh-CN" altLang="en-US" sz="4000" b="0" i="0" u="none" strike="noStrike" kern="1200" cap="none" spc="0" normalizeH="0" baseline="0" noProof="0" dirty="0">
+                <a:ln>
+                  <a:noFill/>
+                </a:ln>
+                <a:solidFill>
+                  <a:prstClr val="black"/>
+                </a:solidFill>
+                <a:effectLst/>
+                <a:uLnTx/>
+                <a:uFillTx/>
+                <a:latin typeface="等线" panose="02110004020202020204"/>
+                <a:ea typeface="等线" panose="02010600030101010101" pitchFamily="2" charset="-122"/>
+                <a:cs typeface="+mn-cs"/>
+              </a:rPr>
+              <a:t>请立刻按</a:t>
+            </a:r>
+            <a:r>
+              <a:rPr kumimoji="0" lang="zh-CN" altLang="en-US" sz="4000" b="1" i="0" u="none" strike="noStrike" kern="1200" cap="none" spc="0" normalizeH="0" baseline="0" noProof="0" dirty="0">
+                <a:ln>
+                  <a:noFill/>
+                </a:ln>
+                <a:solidFill>
+                  <a:prstClr val="black"/>
+                </a:solidFill>
+                <a:effectLst/>
+                <a:uLnTx/>
+                <a:uFillTx/>
+                <a:latin typeface="等线" panose="02110004020202020204"/>
+                <a:ea typeface="等线" panose="02010600030101010101" pitchFamily="2" charset="-122"/>
+                <a:cs typeface="+mn-cs"/>
+              </a:rPr>
+              <a:t>下箭头</a:t>
+            </a:r>
+            <a:endParaRPr kumimoji="0" lang="en-US" altLang="zh-CN" sz="4000" b="1" i="0" u="none" strike="noStrike" kern="1200" cap="none" spc="0" normalizeH="0" baseline="0" noProof="0" dirty="0">
+              <a:ln>
+                <a:noFill/>
+              </a:ln>
+              <a:solidFill>
+                <a:prstClr val="black"/>
+              </a:solidFill>
+              <a:effectLst/>
+              <a:uLnTx/>
+              <a:uFillTx/>
+              <a:latin typeface="等线" panose="02110004020202020204"/>
+              <a:ea typeface="等线" panose="02010600030101010101" pitchFamily="2" charset="-122"/>
+              <a:cs typeface="+mn-cs"/>
+            </a:endParaRPr>
+          </a:p>
+        </p:txBody>
+      </p:sp>
+    </p:spTree>
+    <p:extLst>
+      <p:ext uri="{BB962C8B-B14F-4D97-AF65-F5344CB8AC3E}">
+        <p14:creationId xmlns:p14="http://schemas.microsoft.com/office/powerpoint/2010/main" val="3311244961"/>
+      </p:ext>
+    </p:extLst>
+  </p:cSld>
+  <p:clrMapOvr>
+    <a:masterClrMapping/>
+  </p:clrMapOvr>
+</p:sld>
+</file>
+
+<file path=ppt/slides/slide7.xml><?xml version="1.0" encoding="utf-8"?>
+<p:sld xmlns:a="http://schemas.openxmlformats.org/drawingml/2006/main" xmlns:r="http://schemas.openxmlformats.org/officeDocument/2006/relationships" xmlns:p="http://schemas.openxmlformats.org/presentationml/2006/main">
+  <p:cSld>
     <p:spTree>
       <p:nvGrpSpPr>
         <p:cNvPr id="1" name=""/>
@@ -4930,7 +7218,9 @@
         </p:nvSpPr>
         <p:spPr/>
         <p:txBody>
-          <a:bodyPr/>
+          <a:bodyPr>
+            <a:normAutofit/>
+          </a:bodyPr>
           <a:lstStyle/>
           <a:p>
             <a:r>
@@ -4945,6 +7235,13 @@
           <a:p>
             <a:r>
               <a:rPr lang="zh-CN" altLang="en-US" dirty="0"/>
+              <a:t>示例播放完如果被试有疑问，重新播放：</a:t>
+            </a:r>
+            <a:endParaRPr lang="en-US" altLang="zh-CN" dirty="0"/>
+          </a:p>
+          <a:p>
+            <a:r>
+              <a:rPr lang="zh-CN" altLang="en-US" dirty="0"/>
               <a:t>按</a:t>
             </a:r>
             <a:r>
@@ -4975,7 +7272,7 @@
           <a:p>
             <a:r>
               <a:rPr lang="zh-CN" altLang="en-US" dirty="0"/>
-              <a:t>示例讲解完让被试自行判断，并给反馈</a:t>
+              <a:t>而后主试随机播放刺激，让被试自行判断，并给反馈</a:t>
             </a:r>
             <a:endParaRPr lang="en-US" altLang="zh-CN" dirty="0"/>
           </a:p>
@@ -4990,7 +7287,7 @@
             </a:r>
             <a:r>
               <a:rPr lang="zh-CN" altLang="en-US" dirty="0"/>
-              <a:t>次后讲后续的指导语</a:t>
+              <a:t>次后，按退格键，讲后续的指导语</a:t>
             </a:r>
           </a:p>
         </p:txBody>
@@ -5008,7 +7305,7 @@
 </p:sld>
 </file>
 
-<file path=ppt/slides/slide6.xml><?xml version="1.0" encoding="utf-8"?>
+<file path=ppt/slides/slide8.xml><?xml version="1.0" encoding="utf-8"?>
 <p:sld xmlns:a="http://schemas.openxmlformats.org/drawingml/2006/main" xmlns:r="http://schemas.openxmlformats.org/officeDocument/2006/relationships" xmlns:p="http://schemas.openxmlformats.org/presentationml/2006/main">
   <p:cSld>
     <p:bg>
@@ -5145,9 +7442,39 @@
                 <a:latin typeface="等线" panose="02110004020202020204"/>
                 <a:ea typeface="等线" panose="02010600030101010101" pitchFamily="2" charset="-122"/>
               </a:rPr>
-              <a:t>最后一个光斑会很暗，也有可能不出现</a:t>
-            </a:r>
-            <a:endParaRPr lang="en-US" altLang="zh-CN" sz="3600" dirty="0">
+              <a:t>最后一个光斑会</a:t>
+            </a:r>
+            <a:r>
+              <a:rPr lang="zh-CN" altLang="en-US" sz="3600" b="1" dirty="0">
+                <a:solidFill>
+                  <a:prstClr val="black"/>
+                </a:solidFill>
+                <a:latin typeface="等线" panose="02110004020202020204"/>
+                <a:ea typeface="等线" panose="02010600030101010101" pitchFamily="2" charset="-122"/>
+              </a:rPr>
+              <a:t>很暗</a:t>
+            </a:r>
+            <a:r>
+              <a:rPr lang="zh-CN" altLang="en-US" sz="3600" dirty="0">
+                <a:solidFill>
+                  <a:prstClr val="black"/>
+                </a:solidFill>
+                <a:latin typeface="等线" panose="02110004020202020204"/>
+                <a:ea typeface="等线" panose="02010600030101010101" pitchFamily="2" charset="-122"/>
+              </a:rPr>
+              <a:t>，也有可能</a:t>
+            </a:r>
+            <a:r>
+              <a:rPr lang="zh-CN" altLang="en-US" sz="3600" b="1" dirty="0">
+                <a:solidFill>
+                  <a:prstClr val="black"/>
+                </a:solidFill>
+                <a:latin typeface="等线" panose="02110004020202020204"/>
+                <a:ea typeface="等线" panose="02010600030101010101" pitchFamily="2" charset="-122"/>
+              </a:rPr>
+              <a:t>不出现</a:t>
+            </a:r>
+            <a:endParaRPr lang="en-US" altLang="zh-CN" sz="3600" b="1" dirty="0">
               <a:solidFill>
                 <a:prstClr val="black"/>
               </a:solidFill>
@@ -5181,9 +7508,19 @@
                 <a:latin typeface="等线" panose="02110004020202020204"/>
                 <a:ea typeface="等线" panose="02010600030101010101" pitchFamily="2" charset="-122"/>
               </a:rPr>
-              <a:t>如果觉得倾斜光斑没有出现，请不要按键</a:t>
-            </a:r>
-            <a:endParaRPr lang="en-US" altLang="zh-CN" sz="3600" dirty="0">
+              <a:t>如果觉得倾斜光斑没有出现，请</a:t>
+            </a:r>
+            <a:r>
+              <a:rPr lang="zh-CN" altLang="en-US" sz="3600" b="1" dirty="0">
+                <a:solidFill>
+                  <a:prstClr val="black"/>
+                </a:solidFill>
+                <a:latin typeface="等线" panose="02110004020202020204"/>
+                <a:ea typeface="等线" panose="02010600030101010101" pitchFamily="2" charset="-122"/>
+              </a:rPr>
+              <a:t>不要按键</a:t>
+            </a:r>
+            <a:endParaRPr lang="en-US" altLang="zh-CN" sz="3600" b="1" dirty="0">
               <a:solidFill>
                 <a:prstClr val="black"/>
               </a:solidFill>
@@ -5243,6 +7580,43 @@
           </a:p>
         </p:txBody>
       </p:sp>
+      <p:sp>
+        <p:nvSpPr>
+          <p:cNvPr id="2" name="文本框 1">
+            <a:extLst>
+              <a:ext uri="{FF2B5EF4-FFF2-40B4-BE49-F238E27FC236}">
+                <a16:creationId xmlns:a16="http://schemas.microsoft.com/office/drawing/2014/main" id="{6B8BEEDA-1A23-AAF0-9113-AF9A4A43CEA5}"/>
+              </a:ext>
+            </a:extLst>
+          </p:cNvPr>
+          <p:cNvSpPr txBox="1"/>
+          <p:nvPr/>
+        </p:nvSpPr>
+        <p:spPr>
+          <a:xfrm>
+            <a:off x="10627743" y="120770"/>
+            <a:ext cx="1345721" cy="379562"/>
+          </a:xfrm>
+          <a:prstGeom prst="rect">
+            <a:avLst/>
+          </a:prstGeom>
+          <a:noFill/>
+        </p:spPr>
+        <p:txBody>
+          <a:bodyPr wrap="square" rtlCol="0">
+            <a:spAutoFit/>
+          </a:bodyPr>
+          <a:lstStyle/>
+          <a:p>
+            <a:pPr algn="r"/>
+            <a:r>
+              <a:rPr lang="en-US" altLang="zh-CN" b="1" dirty="0"/>
+              <a:t>Space</a:t>
+            </a:r>
+            <a:endParaRPr lang="zh-CN" altLang="en-US" b="1" dirty="0"/>
+          </a:p>
+        </p:txBody>
+      </p:sp>
     </p:spTree>
     <p:extLst>
       <p:ext uri="{BB962C8B-B14F-4D97-AF65-F5344CB8AC3E}">
@@ -5256,7 +7630,7 @@
 </p:sld>
 </file>
 
-<file path=ppt/slides/slide7.xml><?xml version="1.0" encoding="utf-8"?>
+<file path=ppt/slides/slide9.xml><?xml version="1.0" encoding="utf-8"?>
 <p:sld xmlns:a="http://schemas.openxmlformats.org/drawingml/2006/main" xmlns:r="http://schemas.openxmlformats.org/officeDocument/2006/relationships" xmlns:p="http://schemas.openxmlformats.org/presentationml/2006/main">
   <p:cSld>
     <p:spTree>
@@ -5352,322 +7726,6 @@
     <p:extLst>
       <p:ext uri="{BB962C8B-B14F-4D97-AF65-F5344CB8AC3E}">
         <p14:creationId xmlns:p14="http://schemas.microsoft.com/office/powerpoint/2010/main" val="296390402"/>
-      </p:ext>
-    </p:extLst>
-  </p:cSld>
-  <p:clrMapOvr>
-    <a:masterClrMapping/>
-  </p:clrMapOvr>
-</p:sld>
-</file>
-
-<file path=ppt/slides/slide8.xml><?xml version="1.0" encoding="utf-8"?>
-<p:sld xmlns:a="http://schemas.openxmlformats.org/drawingml/2006/main" xmlns:r="http://schemas.openxmlformats.org/officeDocument/2006/relationships" xmlns:p="http://schemas.openxmlformats.org/presentationml/2006/main">
-  <p:cSld>
-    <p:bg>
-      <p:bgPr>
-        <a:solidFill>
-          <a:schemeClr val="tx1">
-            <a:lumMod val="50000"/>
-            <a:lumOff val="50000"/>
-          </a:schemeClr>
-        </a:solidFill>
-        <a:effectLst/>
-      </p:bgPr>
-    </p:bg>
-    <p:spTree>
-      <p:nvGrpSpPr>
-        <p:cNvPr id="1" name="">
-          <a:extLst>
-            <a:ext uri="{FF2B5EF4-FFF2-40B4-BE49-F238E27FC236}">
-              <a16:creationId xmlns:a16="http://schemas.microsoft.com/office/drawing/2014/main" id="{7D38FEA2-815A-CCCC-C585-C8804DCF0EBE}"/>
-            </a:ext>
-          </a:extLst>
-        </p:cNvPr>
-        <p:cNvGrpSpPr/>
-        <p:nvPr/>
-      </p:nvGrpSpPr>
-      <p:grpSpPr>
-        <a:xfrm>
-          <a:off x="0" y="0"/>
-          <a:ext cx="0" cy="0"/>
-          <a:chOff x="0" y="0"/>
-          <a:chExt cx="0" cy="0"/>
-        </a:xfrm>
-      </p:grpSpPr>
-      <p:sp>
-        <p:nvSpPr>
-          <p:cNvPr id="4" name="文本框 3">
-            <a:extLst>
-              <a:ext uri="{FF2B5EF4-FFF2-40B4-BE49-F238E27FC236}">
-                <a16:creationId xmlns:a16="http://schemas.microsoft.com/office/drawing/2014/main" id="{D1857FDF-CA32-FF57-537A-A875AC56B79C}"/>
-              </a:ext>
-            </a:extLst>
-          </p:cNvPr>
-          <p:cNvSpPr txBox="1"/>
-          <p:nvPr/>
-        </p:nvSpPr>
-        <p:spPr>
-          <a:xfrm>
-            <a:off x="1191535" y="932066"/>
-            <a:ext cx="9808930" cy="4993868"/>
-          </a:xfrm>
-          <a:prstGeom prst="rect">
-            <a:avLst/>
-          </a:prstGeom>
-          <a:noFill/>
-        </p:spPr>
-        <p:txBody>
-          <a:bodyPr wrap="square" rtlCol="0">
-            <a:spAutoFit/>
-          </a:bodyPr>
-          <a:lstStyle/>
-          <a:p>
-            <a:pPr algn="ctr">
-              <a:lnSpc>
-                <a:spcPct val="150000"/>
-              </a:lnSpc>
-            </a:pPr>
-            <a:r>
-              <a:rPr lang="zh-CN" altLang="en-US" sz="3600" dirty="0"/>
-              <a:t>请听耳机里的滴滴声</a:t>
-            </a:r>
-            <a:endParaRPr lang="en-US" altLang="zh-CN" sz="3600" dirty="0"/>
-          </a:p>
-          <a:p>
-            <a:pPr algn="ctr">
-              <a:lnSpc>
-                <a:spcPct val="150000"/>
-              </a:lnSpc>
-            </a:pPr>
-            <a:r>
-              <a:rPr lang="zh-CN" altLang="en-US" sz="3600" dirty="0"/>
-              <a:t>一开始的音调，也就是音高，是一样的</a:t>
-            </a:r>
-            <a:endParaRPr lang="en-US" altLang="zh-CN" sz="3600" dirty="0"/>
-          </a:p>
-          <a:p>
-            <a:pPr algn="ctr">
-              <a:lnSpc>
-                <a:spcPct val="150000"/>
-              </a:lnSpc>
-            </a:pPr>
-            <a:r>
-              <a:rPr lang="zh-CN" altLang="en-US" sz="3600" dirty="0"/>
-              <a:t>但是最后一次滴滴声的</a:t>
-            </a:r>
-            <a:r>
-              <a:rPr lang="zh-CN" altLang="en-US" sz="3600" b="1" dirty="0"/>
-              <a:t>音高</a:t>
-            </a:r>
-            <a:r>
-              <a:rPr lang="zh-CN" altLang="en-US" sz="3600" dirty="0"/>
-              <a:t>会变化</a:t>
-            </a:r>
-            <a:endParaRPr lang="en-US" altLang="zh-CN" sz="3600" dirty="0"/>
-          </a:p>
-          <a:p>
-            <a:pPr algn="ctr">
-              <a:lnSpc>
-                <a:spcPct val="150000"/>
-              </a:lnSpc>
-            </a:pPr>
-            <a:r>
-              <a:rPr lang="zh-CN" altLang="en-US" sz="3600" dirty="0"/>
-              <a:t>如果音调变高变尖了，按上箭头</a:t>
-            </a:r>
-            <a:endParaRPr lang="en-US" altLang="zh-CN" sz="3600" dirty="0"/>
-          </a:p>
-          <a:p>
-            <a:pPr algn="ctr">
-              <a:lnSpc>
-                <a:spcPct val="150000"/>
-              </a:lnSpc>
-            </a:pPr>
-            <a:r>
-              <a:rPr lang="zh-CN" altLang="en-US" sz="3600" dirty="0"/>
-              <a:t>如果反过来，音调变低了，就按下箭头</a:t>
-            </a:r>
-            <a:endParaRPr lang="en-US" altLang="zh-CN" sz="3600" dirty="0"/>
-          </a:p>
-          <a:p>
-            <a:pPr algn="ctr">
-              <a:lnSpc>
-                <a:spcPct val="150000"/>
-              </a:lnSpc>
-            </a:pPr>
-            <a:r>
-              <a:rPr lang="zh-CN" altLang="en-US" sz="3600" dirty="0"/>
-              <a:t>现在，您将听到两个示例</a:t>
-            </a:r>
-            <a:endParaRPr lang="en-US" altLang="zh-CN" sz="3600" dirty="0"/>
-          </a:p>
-        </p:txBody>
-      </p:sp>
-    </p:spTree>
-    <p:extLst>
-      <p:ext uri="{BB962C8B-B14F-4D97-AF65-F5344CB8AC3E}">
-        <p14:creationId xmlns:p14="http://schemas.microsoft.com/office/powerpoint/2010/main" val="1645642624"/>
-      </p:ext>
-    </p:extLst>
-  </p:cSld>
-  <p:clrMapOvr>
-    <a:masterClrMapping/>
-  </p:clrMapOvr>
-</p:sld>
-</file>
-
-<file path=ppt/slides/slide9.xml><?xml version="1.0" encoding="utf-8"?>
-<p:sld xmlns:a="http://schemas.openxmlformats.org/drawingml/2006/main" xmlns:r="http://schemas.openxmlformats.org/officeDocument/2006/relationships" xmlns:p="http://schemas.openxmlformats.org/presentationml/2006/main">
-  <p:cSld>
-    <p:bg>
-      <p:bgPr>
-        <a:solidFill>
-          <a:schemeClr val="tx1">
-            <a:lumMod val="50000"/>
-            <a:lumOff val="50000"/>
-          </a:schemeClr>
-        </a:solidFill>
-        <a:effectLst/>
-      </p:bgPr>
-    </p:bg>
-    <p:spTree>
-      <p:nvGrpSpPr>
-        <p:cNvPr id="1" name="">
-          <a:extLst>
-            <a:ext uri="{FF2B5EF4-FFF2-40B4-BE49-F238E27FC236}">
-              <a16:creationId xmlns:a16="http://schemas.microsoft.com/office/drawing/2014/main" id="{6D495523-B63D-2B13-5233-0A6C6CC4CC5A}"/>
-            </a:ext>
-          </a:extLst>
-        </p:cNvPr>
-        <p:cNvGrpSpPr/>
-        <p:nvPr/>
-      </p:nvGrpSpPr>
-      <p:grpSpPr>
-        <a:xfrm>
-          <a:off x="0" y="0"/>
-          <a:ext cx="0" cy="0"/>
-          <a:chOff x="0" y="0"/>
-          <a:chExt cx="0" cy="0"/>
-        </a:xfrm>
-      </p:grpSpPr>
-      <p:sp>
-        <p:nvSpPr>
-          <p:cNvPr id="4" name="文本框 3">
-            <a:extLst>
-              <a:ext uri="{FF2B5EF4-FFF2-40B4-BE49-F238E27FC236}">
-                <a16:creationId xmlns:a16="http://schemas.microsoft.com/office/drawing/2014/main" id="{03EEBE45-8C99-8243-AABC-53C02FAF3EBA}"/>
-              </a:ext>
-            </a:extLst>
-          </p:cNvPr>
-          <p:cNvSpPr txBox="1"/>
-          <p:nvPr/>
-        </p:nvSpPr>
-        <p:spPr>
-          <a:xfrm>
-            <a:off x="1191535" y="2590116"/>
-            <a:ext cx="9808930" cy="921855"/>
-          </a:xfrm>
-          <a:prstGeom prst="rect">
-            <a:avLst/>
-          </a:prstGeom>
-          <a:noFill/>
-        </p:spPr>
-        <p:txBody>
-          <a:bodyPr wrap="square" rtlCol="0">
-            <a:spAutoFit/>
-          </a:bodyPr>
-          <a:lstStyle/>
-          <a:p>
-            <a:pPr marL="0" marR="0" lvl="0" indent="0" algn="ctr" defTabSz="914400" rtl="0" eaLnBrk="1" fontAlgn="auto" latinLnBrk="0" hangingPunct="1">
-              <a:lnSpc>
-                <a:spcPct val="150000"/>
-              </a:lnSpc>
-              <a:spcBef>
-                <a:spcPts val="0"/>
-              </a:spcBef>
-              <a:spcAft>
-                <a:spcPts val="0"/>
-              </a:spcAft>
-              <a:buClrTx/>
-              <a:buSzTx/>
-              <a:buFontTx/>
-              <a:buNone/>
-              <a:tabLst/>
-              <a:defRPr/>
-            </a:pPr>
-            <a:r>
-              <a:rPr kumimoji="0" lang="zh-CN" altLang="en-US" sz="4000" b="0" i="0" u="none" strike="noStrike" kern="1200" cap="none" spc="0" normalizeH="0" baseline="0" noProof="0" dirty="0">
-                <a:ln>
-                  <a:noFill/>
-                </a:ln>
-                <a:solidFill>
-                  <a:prstClr val="black"/>
-                </a:solidFill>
-                <a:effectLst/>
-                <a:uLnTx/>
-                <a:uFillTx/>
-                <a:latin typeface="等线" panose="02110004020202020204"/>
-                <a:ea typeface="等线" panose="02010600030101010101" pitchFamily="2" charset="-122"/>
-                <a:cs typeface="+mn-cs"/>
-              </a:rPr>
-              <a:t>现在播放的是音调</a:t>
-            </a:r>
-            <a:r>
-              <a:rPr kumimoji="0" lang="zh-CN" altLang="en-US" sz="4000" b="1" i="0" u="none" strike="noStrike" kern="1200" cap="none" spc="0" normalizeH="0" baseline="0" noProof="0" dirty="0">
-                <a:ln>
-                  <a:noFill/>
-                </a:ln>
-                <a:solidFill>
-                  <a:prstClr val="black"/>
-                </a:solidFill>
-                <a:effectLst/>
-                <a:uLnTx/>
-                <a:uFillTx/>
-                <a:latin typeface="等线" panose="02110004020202020204"/>
-                <a:ea typeface="等线" panose="02010600030101010101" pitchFamily="2" charset="-122"/>
-                <a:cs typeface="+mn-cs"/>
-              </a:rPr>
-              <a:t>变高</a:t>
-            </a:r>
-            <a:r>
-              <a:rPr kumimoji="0" lang="zh-CN" altLang="en-US" sz="4000" b="0" i="0" u="none" strike="noStrike" kern="1200" cap="none" spc="0" normalizeH="0" baseline="0" noProof="0" dirty="0">
-                <a:ln>
-                  <a:noFill/>
-                </a:ln>
-                <a:solidFill>
-                  <a:prstClr val="black"/>
-                </a:solidFill>
-                <a:effectLst/>
-                <a:uLnTx/>
-                <a:uFillTx/>
-                <a:latin typeface="等线" panose="02110004020202020204"/>
-                <a:ea typeface="等线" panose="02010600030101010101" pitchFamily="2" charset="-122"/>
-                <a:cs typeface="+mn-cs"/>
-              </a:rPr>
-              <a:t>的示例</a:t>
-            </a:r>
-            <a:endParaRPr kumimoji="0" lang="en-US" altLang="zh-CN" sz="4000" b="0" i="0" u="none" strike="noStrike" kern="1200" cap="none" spc="0" normalizeH="0" baseline="0" noProof="0" dirty="0">
-              <a:ln>
-                <a:noFill/>
-              </a:ln>
-              <a:solidFill>
-                <a:prstClr val="black"/>
-              </a:solidFill>
-              <a:effectLst/>
-              <a:uLnTx/>
-              <a:uFillTx/>
-              <a:latin typeface="等线" panose="02110004020202020204"/>
-              <a:ea typeface="等线" panose="02010600030101010101" pitchFamily="2" charset="-122"/>
-              <a:cs typeface="+mn-cs"/>
-            </a:endParaRPr>
-          </a:p>
-        </p:txBody>
-      </p:sp>
-    </p:spTree>
-    <p:extLst>
-      <p:ext uri="{BB962C8B-B14F-4D97-AF65-F5344CB8AC3E}">
-        <p14:creationId xmlns:p14="http://schemas.microsoft.com/office/powerpoint/2010/main" val="2082493405"/>
       </p:ext>
     </p:extLst>
   </p:cSld>

--- a/Instructions/指导语.pptx
+++ b/Instructions/指导语.pptx
@@ -24,10 +24,11 @@
     <p:sldId id="274" r:id="rId18"/>
     <p:sldId id="272" r:id="rId19"/>
     <p:sldId id="273" r:id="rId20"/>
-    <p:sldId id="258" r:id="rId21"/>
-    <p:sldId id="279" r:id="rId22"/>
-    <p:sldId id="277" r:id="rId23"/>
-    <p:sldId id="278" r:id="rId24"/>
+    <p:sldId id="281" r:id="rId21"/>
+    <p:sldId id="258" r:id="rId22"/>
+    <p:sldId id="279" r:id="rId23"/>
+    <p:sldId id="277" r:id="rId24"/>
+    <p:sldId id="278" r:id="rId25"/>
   </p:sldIdLst>
   <p:sldSz cx="12192000" cy="6858000"/>
   <p:notesSz cx="6858000" cy="9144000"/>
@@ -158,6 +159,7 @@
             <p14:sldId id="274"/>
             <p14:sldId id="272"/>
             <p14:sldId id="273"/>
+            <p14:sldId id="281"/>
             <p14:sldId id="258"/>
             <p14:sldId id="279"/>
             <p14:sldId id="277"/>
@@ -5606,6 +5608,182 @@
     </p:bg>
     <p:spTree>
       <p:nvGrpSpPr>
+        <p:cNvPr id="1" name="">
+          <a:extLst>
+            <a:ext uri="{FF2B5EF4-FFF2-40B4-BE49-F238E27FC236}">
+              <a16:creationId xmlns:a16="http://schemas.microsoft.com/office/drawing/2014/main" id="{983431B4-CC39-2942-CA4A-063BE0E3532F}"/>
+            </a:ext>
+          </a:extLst>
+        </p:cNvPr>
+        <p:cNvGrpSpPr/>
+        <p:nvPr/>
+      </p:nvGrpSpPr>
+      <p:grpSpPr>
+        <a:xfrm>
+          <a:off x="0" y="0"/>
+          <a:ext cx="0" cy="0"/>
+          <a:chOff x="0" y="0"/>
+          <a:chExt cx="0" cy="0"/>
+        </a:xfrm>
+      </p:grpSpPr>
+      <p:sp>
+        <p:nvSpPr>
+          <p:cNvPr id="4" name="文本框 3">
+            <a:extLst>
+              <a:ext uri="{FF2B5EF4-FFF2-40B4-BE49-F238E27FC236}">
+                <a16:creationId xmlns:a16="http://schemas.microsoft.com/office/drawing/2014/main" id="{66B09B83-2A04-DA6C-4370-662FA09BB9FE}"/>
+              </a:ext>
+            </a:extLst>
+          </p:cNvPr>
+          <p:cNvSpPr txBox="1"/>
+          <p:nvPr/>
+        </p:nvSpPr>
+        <p:spPr>
+          <a:xfrm>
+            <a:off x="1191535" y="2590116"/>
+            <a:ext cx="9808930" cy="1845185"/>
+          </a:xfrm>
+          <a:prstGeom prst="rect">
+            <a:avLst/>
+          </a:prstGeom>
+          <a:noFill/>
+        </p:spPr>
+        <p:txBody>
+          <a:bodyPr wrap="square" rtlCol="0">
+            <a:spAutoFit/>
+          </a:bodyPr>
+          <a:lstStyle/>
+          <a:p>
+            <a:pPr marL="0" marR="0" lvl="0" indent="0" algn="ctr" defTabSz="914400" rtl="0" eaLnBrk="1" fontAlgn="auto" latinLnBrk="0" hangingPunct="1">
+              <a:lnSpc>
+                <a:spcPct val="150000"/>
+              </a:lnSpc>
+              <a:spcBef>
+                <a:spcPts val="0"/>
+              </a:spcBef>
+              <a:spcAft>
+                <a:spcPts val="0"/>
+              </a:spcAft>
+              <a:buClrTx/>
+              <a:buSzTx/>
+              <a:buFontTx/>
+              <a:buNone/>
+              <a:tabLst/>
+              <a:defRPr/>
+            </a:pPr>
+            <a:r>
+              <a:rPr kumimoji="0" lang="zh-CN" altLang="en-US" sz="4000" b="1" i="0" u="none" strike="noStrike" kern="1200" cap="none" spc="0" normalizeH="0" baseline="0" noProof="0" dirty="0">
+                <a:ln>
+                  <a:noFill/>
+                </a:ln>
+                <a:solidFill>
+                  <a:srgbClr val="FF0000"/>
+                </a:solidFill>
+                <a:effectLst/>
+                <a:uLnTx/>
+                <a:uFillTx/>
+                <a:latin typeface="等线" panose="02110004020202020204"/>
+                <a:ea typeface="等线" panose="02010600030101010101" pitchFamily="2" charset="-122"/>
+                <a:cs typeface="+mn-cs"/>
+              </a:rPr>
+              <a:t>超时</a:t>
+            </a:r>
+            <a:endParaRPr kumimoji="0" lang="en-US" altLang="zh-CN" sz="4000" b="1" i="0" u="none" strike="noStrike" kern="1200" cap="none" spc="0" normalizeH="0" baseline="0" noProof="0" dirty="0">
+              <a:ln>
+                <a:noFill/>
+              </a:ln>
+              <a:solidFill>
+                <a:srgbClr val="FF0000"/>
+              </a:solidFill>
+              <a:effectLst/>
+              <a:uLnTx/>
+              <a:uFillTx/>
+              <a:latin typeface="等线" panose="02110004020202020204"/>
+              <a:ea typeface="等线" panose="02010600030101010101" pitchFamily="2" charset="-122"/>
+              <a:cs typeface="+mn-cs"/>
+            </a:endParaRPr>
+          </a:p>
+          <a:p>
+            <a:pPr marL="0" marR="0" lvl="0" indent="0" algn="ctr" defTabSz="914400" rtl="0" eaLnBrk="1" fontAlgn="auto" latinLnBrk="0" hangingPunct="1">
+              <a:lnSpc>
+                <a:spcPct val="150000"/>
+              </a:lnSpc>
+              <a:spcBef>
+                <a:spcPts val="0"/>
+              </a:spcBef>
+              <a:spcAft>
+                <a:spcPts val="0"/>
+              </a:spcAft>
+              <a:buClrTx/>
+              <a:buSzTx/>
+              <a:buFontTx/>
+              <a:buNone/>
+              <a:tabLst/>
+              <a:defRPr/>
+            </a:pPr>
+            <a:r>
+              <a:rPr kumimoji="0" lang="zh-CN" altLang="en-US" sz="4000" b="0" i="0" u="none" strike="noStrike" kern="1200" cap="none" spc="0" normalizeH="0" baseline="0" noProof="0" dirty="0">
+                <a:ln>
+                  <a:noFill/>
+                </a:ln>
+                <a:solidFill>
+                  <a:prstClr val="black"/>
+                </a:solidFill>
+                <a:effectLst/>
+                <a:uLnTx/>
+                <a:uFillTx/>
+                <a:latin typeface="等线" panose="02110004020202020204"/>
+                <a:ea typeface="等线" panose="02010600030101010101" pitchFamily="2" charset="-122"/>
+                <a:cs typeface="+mn-cs"/>
+              </a:rPr>
+              <a:t>按空格继续</a:t>
+            </a:r>
+            <a:endParaRPr kumimoji="0" lang="en-US" altLang="zh-CN" sz="4000" b="0" i="0" u="none" strike="noStrike" kern="1200" cap="none" spc="0" normalizeH="0" baseline="0" noProof="0" dirty="0">
+              <a:ln>
+                <a:noFill/>
+              </a:ln>
+              <a:solidFill>
+                <a:prstClr val="black"/>
+              </a:solidFill>
+              <a:effectLst/>
+              <a:uLnTx/>
+              <a:uFillTx/>
+              <a:latin typeface="等线" panose="02110004020202020204"/>
+              <a:ea typeface="等线" panose="02010600030101010101" pitchFamily="2" charset="-122"/>
+              <a:cs typeface="+mn-cs"/>
+            </a:endParaRPr>
+          </a:p>
+        </p:txBody>
+      </p:sp>
+    </p:spTree>
+    <p:extLst>
+      <p:ext uri="{BB962C8B-B14F-4D97-AF65-F5344CB8AC3E}">
+        <p14:creationId xmlns:p14="http://schemas.microsoft.com/office/powerpoint/2010/main" val="2020673514"/>
+      </p:ext>
+    </p:extLst>
+  </p:cSld>
+  <p:clrMapOvr>
+    <a:masterClrMapping/>
+  </p:clrMapOvr>
+</p:sld>
+</file>
+
+<file path=ppt/slides/slide21.xml><?xml version="1.0" encoding="utf-8"?>
+<p:sld xmlns:a="http://schemas.openxmlformats.org/drawingml/2006/main" xmlns:r="http://schemas.openxmlformats.org/officeDocument/2006/relationships" xmlns:p="http://schemas.openxmlformats.org/presentationml/2006/main">
+  <p:cSld>
+    <p:bg>
+      <p:bgPr>
+        <a:solidFill>
+          <a:schemeClr val="tx1">
+            <a:lumMod val="50000"/>
+            <a:lumOff val="50000"/>
+          </a:schemeClr>
+        </a:solidFill>
+        <a:effectLst/>
+      </p:bgPr>
+    </p:bg>
+    <p:spTree>
+      <p:nvGrpSpPr>
         <p:cNvPr id="1" name=""/>
         <p:cNvGrpSpPr/>
         <p:nvPr/>
@@ -5787,7 +5965,7 @@
 </p:sld>
 </file>
 
-<file path=ppt/slides/slide21.xml><?xml version="1.0" encoding="utf-8"?>
+<file path=ppt/slides/slide22.xml><?xml version="1.0" encoding="utf-8"?>
 <p:sld xmlns:a="http://schemas.openxmlformats.org/drawingml/2006/main" xmlns:r="http://schemas.openxmlformats.org/officeDocument/2006/relationships" xmlns:p="http://schemas.openxmlformats.org/presentationml/2006/main">
   <p:cSld>
     <p:bg>
@@ -5990,7 +6168,7 @@
 </p:sld>
 </file>
 
-<file path=ppt/slides/slide22.xml><?xml version="1.0" encoding="utf-8"?>
+<file path=ppt/slides/slide23.xml><?xml version="1.0" encoding="utf-8"?>
 <p:sld xmlns:a="http://schemas.openxmlformats.org/drawingml/2006/main" xmlns:r="http://schemas.openxmlformats.org/officeDocument/2006/relationships" xmlns:p="http://schemas.openxmlformats.org/presentationml/2006/main">
   <p:cSld>
     <p:bg>
@@ -6150,7 +6328,7 @@
 </p:sld>
 </file>
 
-<file path=ppt/slides/slide23.xml><?xml version="1.0" encoding="utf-8"?>
+<file path=ppt/slides/slide24.xml><?xml version="1.0" encoding="utf-8"?>
 <p:sld xmlns:a="http://schemas.openxmlformats.org/drawingml/2006/main" xmlns:r="http://schemas.openxmlformats.org/officeDocument/2006/relationships" xmlns:p="http://schemas.openxmlformats.org/presentationml/2006/main">
   <p:cSld>
     <p:bg>
